--- a/Thesis/pics/fig_trajectory.pptx
+++ b/Thesis/pics/fig_trajectory.pptx
@@ -8,6 +8,8 @@
     <p:sldId id="256" r:id="rId2"/>
     <p:sldId id="257" r:id="rId3"/>
     <p:sldId id="258" r:id="rId4"/>
+    <p:sldId id="259" r:id="rId5"/>
+    <p:sldId id="260" r:id="rId6"/>
   </p:sldIdLst>
   <p:sldSz cx="12192000" cy="6858000"/>
   <p:notesSz cx="6858000" cy="9144000"/>
@@ -10131,6 +10133,4534 @@
 </p:sld>
 </file>
 
+<file path=ppt/slides/slide4.xml><?xml version="1.0" encoding="utf-8"?>
+<p:sld xmlns:a="http://schemas.openxmlformats.org/drawingml/2006/main" xmlns:r="http://schemas.openxmlformats.org/officeDocument/2006/relationships" xmlns:p="http://schemas.openxmlformats.org/presentationml/2006/main">
+  <p:cSld>
+    <p:spTree>
+      <p:nvGrpSpPr>
+        <p:cNvPr id="1" name=""/>
+        <p:cNvGrpSpPr/>
+        <p:nvPr/>
+      </p:nvGrpSpPr>
+      <p:grpSpPr>
+        <a:xfrm>
+          <a:off x="0" y="0"/>
+          <a:ext cx="0" cy="0"/>
+          <a:chOff x="0" y="0"/>
+          <a:chExt cx="0" cy="0"/>
+        </a:xfrm>
+      </p:grpSpPr>
+      <p:cxnSp>
+        <p:nvCxnSpPr>
+          <p:cNvPr id="42" name="Straight Connector 41">
+            <a:extLst>
+              <a:ext uri="{FF2B5EF4-FFF2-40B4-BE49-F238E27FC236}">
+                <a16:creationId xmlns:a16="http://schemas.microsoft.com/office/drawing/2014/main" id="{0C2335C6-4124-0549-9C8B-82C1B796164C}"/>
+              </a:ext>
+            </a:extLst>
+          </p:cNvPr>
+          <p:cNvCxnSpPr>
+            <a:cxnSpLocks/>
+          </p:cNvCxnSpPr>
+          <p:nvPr/>
+        </p:nvCxnSpPr>
+        <p:spPr>
+          <a:xfrm flipH="1" flipV="1">
+            <a:off x="6874112" y="3542177"/>
+            <a:ext cx="641321" cy="341973"/>
+          </a:xfrm>
+          <a:prstGeom prst="line">
+            <a:avLst/>
+          </a:prstGeom>
+          <a:ln w="19050" cap="rnd">
+            <a:solidFill>
+              <a:schemeClr val="tx1"/>
+            </a:solidFill>
+            <a:miter lim="800000"/>
+            <a:headEnd type="oval"/>
+            <a:tailEnd type="oval"/>
+          </a:ln>
+        </p:spPr>
+        <p:style>
+          <a:lnRef idx="1">
+            <a:schemeClr val="accent1"/>
+          </a:lnRef>
+          <a:fillRef idx="0">
+            <a:schemeClr val="accent1"/>
+          </a:fillRef>
+          <a:effectRef idx="0">
+            <a:schemeClr val="accent1"/>
+          </a:effectRef>
+          <a:fontRef idx="minor">
+            <a:schemeClr val="tx1"/>
+          </a:fontRef>
+        </p:style>
+      </p:cxnSp>
+      <p:cxnSp>
+        <p:nvCxnSpPr>
+          <p:cNvPr id="43" name="Straight Connector 42">
+            <a:extLst>
+              <a:ext uri="{FF2B5EF4-FFF2-40B4-BE49-F238E27FC236}">
+                <a16:creationId xmlns:a16="http://schemas.microsoft.com/office/drawing/2014/main" id="{409B5D75-E1D4-8A4A-9198-415F6D17249D}"/>
+              </a:ext>
+            </a:extLst>
+          </p:cNvPr>
+          <p:cNvCxnSpPr>
+            <a:cxnSpLocks/>
+          </p:cNvCxnSpPr>
+          <p:nvPr/>
+        </p:nvCxnSpPr>
+        <p:spPr>
+          <a:xfrm flipH="1" flipV="1">
+            <a:off x="7515435" y="3884150"/>
+            <a:ext cx="1868193" cy="108299"/>
+          </a:xfrm>
+          <a:prstGeom prst="line">
+            <a:avLst/>
+          </a:prstGeom>
+          <a:ln w="19050" cap="rnd">
+            <a:solidFill>
+              <a:schemeClr val="tx1"/>
+            </a:solidFill>
+            <a:miter lim="800000"/>
+            <a:headEnd type="oval"/>
+            <a:tailEnd type="oval"/>
+          </a:ln>
+        </p:spPr>
+        <p:style>
+          <a:lnRef idx="1">
+            <a:schemeClr val="accent1"/>
+          </a:lnRef>
+          <a:fillRef idx="0">
+            <a:schemeClr val="accent1"/>
+          </a:fillRef>
+          <a:effectRef idx="0">
+            <a:schemeClr val="accent1"/>
+          </a:effectRef>
+          <a:fontRef idx="minor">
+            <a:schemeClr val="tx1"/>
+          </a:fontRef>
+        </p:style>
+      </p:cxnSp>
+      <p:cxnSp>
+        <p:nvCxnSpPr>
+          <p:cNvPr id="44" name="Straight Connector 43">
+            <a:extLst>
+              <a:ext uri="{FF2B5EF4-FFF2-40B4-BE49-F238E27FC236}">
+                <a16:creationId xmlns:a16="http://schemas.microsoft.com/office/drawing/2014/main" id="{8D099D5D-5E71-E944-BC4A-57C75B7C3880}"/>
+              </a:ext>
+            </a:extLst>
+          </p:cNvPr>
+          <p:cNvCxnSpPr>
+            <a:cxnSpLocks/>
+          </p:cNvCxnSpPr>
+          <p:nvPr/>
+        </p:nvCxnSpPr>
+        <p:spPr>
+          <a:xfrm flipH="1">
+            <a:off x="9383630" y="2811132"/>
+            <a:ext cx="646542" cy="1181316"/>
+          </a:xfrm>
+          <a:prstGeom prst="line">
+            <a:avLst/>
+          </a:prstGeom>
+          <a:ln w="19050" cap="rnd">
+            <a:solidFill>
+              <a:schemeClr val="tx1"/>
+            </a:solidFill>
+            <a:miter lim="800000"/>
+            <a:headEnd type="oval"/>
+            <a:tailEnd type="oval"/>
+          </a:ln>
+        </p:spPr>
+        <p:style>
+          <a:lnRef idx="1">
+            <a:schemeClr val="accent1"/>
+          </a:lnRef>
+          <a:fillRef idx="0">
+            <a:schemeClr val="accent1"/>
+          </a:fillRef>
+          <a:effectRef idx="0">
+            <a:schemeClr val="accent1"/>
+          </a:effectRef>
+          <a:fontRef idx="minor">
+            <a:schemeClr val="tx1"/>
+          </a:fontRef>
+        </p:style>
+      </p:cxnSp>
+      <p:cxnSp>
+        <p:nvCxnSpPr>
+          <p:cNvPr id="45" name="Straight Connector 44">
+            <a:extLst>
+              <a:ext uri="{FF2B5EF4-FFF2-40B4-BE49-F238E27FC236}">
+                <a16:creationId xmlns:a16="http://schemas.microsoft.com/office/drawing/2014/main" id="{44CB6836-9C44-2148-B399-130C33175D4F}"/>
+              </a:ext>
+            </a:extLst>
+          </p:cNvPr>
+          <p:cNvCxnSpPr>
+            <a:cxnSpLocks/>
+          </p:cNvCxnSpPr>
+          <p:nvPr/>
+        </p:nvCxnSpPr>
+        <p:spPr>
+          <a:xfrm flipH="1" flipV="1">
+            <a:off x="10030172" y="2808760"/>
+            <a:ext cx="1995056" cy="564853"/>
+          </a:xfrm>
+          <a:prstGeom prst="line">
+            <a:avLst/>
+          </a:prstGeom>
+          <a:ln w="19050" cap="rnd">
+            <a:solidFill>
+              <a:schemeClr val="tx1"/>
+            </a:solidFill>
+            <a:miter lim="800000"/>
+            <a:headEnd type="oval"/>
+            <a:tailEnd type="oval"/>
+          </a:ln>
+        </p:spPr>
+        <p:style>
+          <a:lnRef idx="1">
+            <a:schemeClr val="accent1"/>
+          </a:lnRef>
+          <a:fillRef idx="0">
+            <a:schemeClr val="accent1"/>
+          </a:fillRef>
+          <a:effectRef idx="0">
+            <a:schemeClr val="accent1"/>
+          </a:effectRef>
+          <a:fontRef idx="minor">
+            <a:schemeClr val="tx1"/>
+          </a:fontRef>
+        </p:style>
+      </p:cxnSp>
+      <p:cxnSp>
+        <p:nvCxnSpPr>
+          <p:cNvPr id="46" name="Straight Connector 45">
+            <a:extLst>
+              <a:ext uri="{FF2B5EF4-FFF2-40B4-BE49-F238E27FC236}">
+                <a16:creationId xmlns:a16="http://schemas.microsoft.com/office/drawing/2014/main" id="{24C542F2-4143-624A-99A1-F89D86538B5D}"/>
+              </a:ext>
+            </a:extLst>
+          </p:cNvPr>
+          <p:cNvCxnSpPr>
+            <a:cxnSpLocks/>
+          </p:cNvCxnSpPr>
+          <p:nvPr/>
+        </p:nvCxnSpPr>
+        <p:spPr>
+          <a:xfrm flipH="1" flipV="1">
+            <a:off x="12025229" y="3373613"/>
+            <a:ext cx="646544" cy="533887"/>
+          </a:xfrm>
+          <a:prstGeom prst="line">
+            <a:avLst/>
+          </a:prstGeom>
+          <a:ln w="19050" cap="rnd">
+            <a:solidFill>
+              <a:schemeClr val="tx1"/>
+            </a:solidFill>
+            <a:miter lim="800000"/>
+            <a:headEnd type="oval"/>
+            <a:tailEnd type="oval"/>
+          </a:ln>
+        </p:spPr>
+        <p:style>
+          <a:lnRef idx="1">
+            <a:schemeClr val="accent1"/>
+          </a:lnRef>
+          <a:fillRef idx="0">
+            <a:schemeClr val="accent1"/>
+          </a:fillRef>
+          <a:effectRef idx="0">
+            <a:schemeClr val="accent1"/>
+          </a:effectRef>
+          <a:fontRef idx="minor">
+            <a:schemeClr val="tx1"/>
+          </a:fontRef>
+        </p:style>
+      </p:cxnSp>
+      <p:sp>
+        <p:nvSpPr>
+          <p:cNvPr id="47" name="Rectangle 46">
+            <a:extLst>
+              <a:ext uri="{FF2B5EF4-FFF2-40B4-BE49-F238E27FC236}">
+                <a16:creationId xmlns:a16="http://schemas.microsoft.com/office/drawing/2014/main" id="{D97A12EA-4669-054B-8C1E-621AC8A9AAE4}"/>
+              </a:ext>
+            </a:extLst>
+          </p:cNvPr>
+          <p:cNvSpPr/>
+          <p:nvPr/>
+        </p:nvSpPr>
+        <p:spPr>
+          <a:xfrm rot="20789728">
+            <a:off x="6778226" y="2540609"/>
+            <a:ext cx="3201257" cy="625695"/>
+          </a:xfrm>
+          <a:prstGeom prst="rect">
+            <a:avLst/>
+          </a:prstGeom>
+          <a:noFill/>
+          <a:ln w="15875">
+            <a:solidFill>
+              <a:srgbClr val="C00000"/>
+            </a:solidFill>
+            <a:prstDash val="dash"/>
+          </a:ln>
+        </p:spPr>
+        <p:style>
+          <a:lnRef idx="2">
+            <a:schemeClr val="accent1">
+              <a:shade val="50000"/>
+            </a:schemeClr>
+          </a:lnRef>
+          <a:fillRef idx="1">
+            <a:schemeClr val="accent1"/>
+          </a:fillRef>
+          <a:effectRef idx="0">
+            <a:schemeClr val="accent1"/>
+          </a:effectRef>
+          <a:fontRef idx="minor">
+            <a:schemeClr val="lt1"/>
+          </a:fontRef>
+        </p:style>
+        <p:txBody>
+          <a:bodyPr rtlCol="0" anchor="ctr"/>
+          <a:lstStyle/>
+          <a:p>
+            <a:pPr algn="ctr"/>
+            <a:endParaRPr lang="en-US" sz="2400"/>
+          </a:p>
+        </p:txBody>
+      </p:sp>
+      <p:sp>
+        <p:nvSpPr>
+          <p:cNvPr id="62" name="Rectangle 61">
+            <a:extLst>
+              <a:ext uri="{FF2B5EF4-FFF2-40B4-BE49-F238E27FC236}">
+                <a16:creationId xmlns:a16="http://schemas.microsoft.com/office/drawing/2014/main" id="{39E11606-AD42-184D-BDD7-7C3F5914BDA2}"/>
+              </a:ext>
+            </a:extLst>
+          </p:cNvPr>
+          <p:cNvSpPr/>
+          <p:nvPr/>
+        </p:nvSpPr>
+        <p:spPr>
+          <a:xfrm rot="20789728">
+            <a:off x="6926975" y="3153030"/>
+            <a:ext cx="3201257" cy="625695"/>
+          </a:xfrm>
+          <a:prstGeom prst="rect">
+            <a:avLst/>
+          </a:prstGeom>
+          <a:noFill/>
+          <a:ln w="15875">
+            <a:solidFill>
+              <a:srgbClr val="C00000"/>
+            </a:solidFill>
+            <a:prstDash val="dash"/>
+          </a:ln>
+        </p:spPr>
+        <p:style>
+          <a:lnRef idx="2">
+            <a:schemeClr val="accent1">
+              <a:shade val="50000"/>
+            </a:schemeClr>
+          </a:lnRef>
+          <a:fillRef idx="1">
+            <a:schemeClr val="accent1"/>
+          </a:fillRef>
+          <a:effectRef idx="0">
+            <a:schemeClr val="accent1"/>
+          </a:effectRef>
+          <a:fontRef idx="minor">
+            <a:schemeClr val="lt1"/>
+          </a:fontRef>
+        </p:style>
+        <p:txBody>
+          <a:bodyPr rtlCol="0" anchor="ctr"/>
+          <a:lstStyle/>
+          <a:p>
+            <a:pPr algn="ctr"/>
+            <a:endParaRPr lang="en-US" sz="2400"/>
+          </a:p>
+        </p:txBody>
+      </p:sp>
+      <p:sp>
+        <p:nvSpPr>
+          <p:cNvPr id="66" name="Rectangle 65">
+            <a:extLst>
+              <a:ext uri="{FF2B5EF4-FFF2-40B4-BE49-F238E27FC236}">
+                <a16:creationId xmlns:a16="http://schemas.microsoft.com/office/drawing/2014/main" id="{594FFC44-37CC-9D4A-9699-952D1421C921}"/>
+              </a:ext>
+            </a:extLst>
+          </p:cNvPr>
+          <p:cNvSpPr/>
+          <p:nvPr/>
+        </p:nvSpPr>
+        <p:spPr>
+          <a:xfrm rot="1371127">
+            <a:off x="10035149" y="2756185"/>
+            <a:ext cx="2879185" cy="625695"/>
+          </a:xfrm>
+          <a:prstGeom prst="rect">
+            <a:avLst/>
+          </a:prstGeom>
+          <a:noFill/>
+          <a:ln w="15875">
+            <a:solidFill>
+              <a:srgbClr val="C00000"/>
+            </a:solidFill>
+            <a:prstDash val="dash"/>
+          </a:ln>
+        </p:spPr>
+        <p:style>
+          <a:lnRef idx="2">
+            <a:schemeClr val="accent1">
+              <a:shade val="50000"/>
+            </a:schemeClr>
+          </a:lnRef>
+          <a:fillRef idx="1">
+            <a:schemeClr val="accent1"/>
+          </a:fillRef>
+          <a:effectRef idx="0">
+            <a:schemeClr val="accent1"/>
+          </a:effectRef>
+          <a:fontRef idx="minor">
+            <a:schemeClr val="lt1"/>
+          </a:fontRef>
+        </p:style>
+        <p:txBody>
+          <a:bodyPr rtlCol="0" anchor="ctr"/>
+          <a:lstStyle/>
+          <a:p>
+            <a:pPr algn="ctr"/>
+            <a:endParaRPr lang="en-US" sz="2400"/>
+          </a:p>
+        </p:txBody>
+      </p:sp>
+      <p:sp>
+        <p:nvSpPr>
+          <p:cNvPr id="67" name="Rectangle 66">
+            <a:extLst>
+              <a:ext uri="{FF2B5EF4-FFF2-40B4-BE49-F238E27FC236}">
+                <a16:creationId xmlns:a16="http://schemas.microsoft.com/office/drawing/2014/main" id="{BCDF1240-78D0-574B-A05C-F0D28020F5EC}"/>
+              </a:ext>
+            </a:extLst>
+          </p:cNvPr>
+          <p:cNvSpPr/>
+          <p:nvPr/>
+        </p:nvSpPr>
+        <p:spPr>
+          <a:xfrm rot="1371127">
+            <a:off x="9784084" y="3332320"/>
+            <a:ext cx="2879185" cy="625695"/>
+          </a:xfrm>
+          <a:prstGeom prst="rect">
+            <a:avLst/>
+          </a:prstGeom>
+          <a:noFill/>
+          <a:ln w="15875">
+            <a:solidFill>
+              <a:srgbClr val="C00000"/>
+            </a:solidFill>
+            <a:prstDash val="dash"/>
+          </a:ln>
+        </p:spPr>
+        <p:style>
+          <a:lnRef idx="2">
+            <a:schemeClr val="accent1">
+              <a:shade val="50000"/>
+            </a:schemeClr>
+          </a:lnRef>
+          <a:fillRef idx="1">
+            <a:schemeClr val="accent1"/>
+          </a:fillRef>
+          <a:effectRef idx="0">
+            <a:schemeClr val="accent1"/>
+          </a:effectRef>
+          <a:fontRef idx="minor">
+            <a:schemeClr val="lt1"/>
+          </a:fontRef>
+        </p:style>
+        <p:txBody>
+          <a:bodyPr rtlCol="0" anchor="ctr"/>
+          <a:lstStyle/>
+          <a:p>
+            <a:pPr algn="ctr"/>
+            <a:endParaRPr lang="en-US" sz="2400"/>
+          </a:p>
+        </p:txBody>
+      </p:sp>
+      <p:cxnSp>
+        <p:nvCxnSpPr>
+          <p:cNvPr id="80" name="Straight Connector 79">
+            <a:extLst>
+              <a:ext uri="{FF2B5EF4-FFF2-40B4-BE49-F238E27FC236}">
+                <a16:creationId xmlns:a16="http://schemas.microsoft.com/office/drawing/2014/main" id="{AAE33C5E-E557-D743-903B-831FF1EA7EBB}"/>
+              </a:ext>
+            </a:extLst>
+          </p:cNvPr>
+          <p:cNvCxnSpPr>
+            <a:cxnSpLocks/>
+          </p:cNvCxnSpPr>
+          <p:nvPr/>
+        </p:nvCxnSpPr>
+        <p:spPr>
+          <a:xfrm flipH="1" flipV="1">
+            <a:off x="341677" y="3533937"/>
+            <a:ext cx="2509517" cy="461013"/>
+          </a:xfrm>
+          <a:prstGeom prst="line">
+            <a:avLst/>
+          </a:prstGeom>
+          <a:ln w="19050" cap="rnd">
+            <a:solidFill>
+              <a:srgbClr val="C00000"/>
+            </a:solidFill>
+            <a:miter lim="800000"/>
+            <a:headEnd type="oval"/>
+            <a:tailEnd type="oval"/>
+          </a:ln>
+        </p:spPr>
+        <p:style>
+          <a:lnRef idx="1">
+            <a:schemeClr val="accent1"/>
+          </a:lnRef>
+          <a:fillRef idx="0">
+            <a:schemeClr val="accent1"/>
+          </a:fillRef>
+          <a:effectRef idx="0">
+            <a:schemeClr val="accent1"/>
+          </a:effectRef>
+          <a:fontRef idx="minor">
+            <a:schemeClr val="tx1"/>
+          </a:fontRef>
+        </p:style>
+      </p:cxnSp>
+      <p:cxnSp>
+        <p:nvCxnSpPr>
+          <p:cNvPr id="81" name="Straight Connector 80">
+            <a:extLst>
+              <a:ext uri="{FF2B5EF4-FFF2-40B4-BE49-F238E27FC236}">
+                <a16:creationId xmlns:a16="http://schemas.microsoft.com/office/drawing/2014/main" id="{99543B96-5A4F-2346-A673-9C966377D936}"/>
+              </a:ext>
+            </a:extLst>
+          </p:cNvPr>
+          <p:cNvCxnSpPr>
+            <a:cxnSpLocks/>
+          </p:cNvCxnSpPr>
+          <p:nvPr/>
+        </p:nvCxnSpPr>
+        <p:spPr>
+          <a:xfrm flipH="1">
+            <a:off x="2851195" y="2813632"/>
+            <a:ext cx="646542" cy="1181316"/>
+          </a:xfrm>
+          <a:prstGeom prst="line">
+            <a:avLst/>
+          </a:prstGeom>
+          <a:ln w="19050" cap="rnd">
+            <a:solidFill>
+              <a:srgbClr val="C00000"/>
+            </a:solidFill>
+            <a:miter lim="800000"/>
+            <a:headEnd type="oval"/>
+            <a:tailEnd type="oval"/>
+          </a:ln>
+        </p:spPr>
+        <p:style>
+          <a:lnRef idx="1">
+            <a:schemeClr val="accent1"/>
+          </a:lnRef>
+          <a:fillRef idx="0">
+            <a:schemeClr val="accent1"/>
+          </a:fillRef>
+          <a:effectRef idx="0">
+            <a:schemeClr val="accent1"/>
+          </a:effectRef>
+          <a:fontRef idx="minor">
+            <a:schemeClr val="tx1"/>
+          </a:fontRef>
+        </p:style>
+      </p:cxnSp>
+      <p:cxnSp>
+        <p:nvCxnSpPr>
+          <p:cNvPr id="82" name="Straight Connector 81">
+            <a:extLst>
+              <a:ext uri="{FF2B5EF4-FFF2-40B4-BE49-F238E27FC236}">
+                <a16:creationId xmlns:a16="http://schemas.microsoft.com/office/drawing/2014/main" id="{CA37281B-6D77-5147-ACDC-5B3509628F37}"/>
+              </a:ext>
+            </a:extLst>
+          </p:cNvPr>
+          <p:cNvCxnSpPr>
+            <a:cxnSpLocks/>
+          </p:cNvCxnSpPr>
+          <p:nvPr/>
+        </p:nvCxnSpPr>
+        <p:spPr>
+          <a:xfrm flipH="1" flipV="1">
+            <a:off x="3497737" y="2811261"/>
+            <a:ext cx="2641601" cy="1080930"/>
+          </a:xfrm>
+          <a:prstGeom prst="line">
+            <a:avLst/>
+          </a:prstGeom>
+          <a:ln w="19050" cap="rnd">
+            <a:solidFill>
+              <a:srgbClr val="C00000"/>
+            </a:solidFill>
+            <a:miter lim="800000"/>
+            <a:headEnd type="oval"/>
+            <a:tailEnd type="oval"/>
+          </a:ln>
+        </p:spPr>
+        <p:style>
+          <a:lnRef idx="1">
+            <a:schemeClr val="accent1"/>
+          </a:lnRef>
+          <a:fillRef idx="0">
+            <a:schemeClr val="accent1"/>
+          </a:fillRef>
+          <a:effectRef idx="0">
+            <a:schemeClr val="accent1"/>
+          </a:effectRef>
+          <a:fontRef idx="minor">
+            <a:schemeClr val="tx1"/>
+          </a:fontRef>
+        </p:style>
+      </p:cxnSp>
+      <p:grpSp>
+        <p:nvGrpSpPr>
+          <p:cNvPr id="3" name="Group 2">
+            <a:extLst>
+              <a:ext uri="{FF2B5EF4-FFF2-40B4-BE49-F238E27FC236}">
+                <a16:creationId xmlns:a16="http://schemas.microsoft.com/office/drawing/2014/main" id="{EB29D602-F903-364A-857B-3F689D0BB646}"/>
+              </a:ext>
+            </a:extLst>
+          </p:cNvPr>
+          <p:cNvGrpSpPr/>
+          <p:nvPr/>
+        </p:nvGrpSpPr>
+        <p:grpSpPr>
+          <a:xfrm>
+            <a:off x="-28298" y="132077"/>
+            <a:ext cx="6512971" cy="1396767"/>
+            <a:chOff x="1525960" y="218345"/>
+            <a:chExt cx="6512971" cy="1396767"/>
+          </a:xfrm>
+        </p:grpSpPr>
+        <p:cxnSp>
+          <p:nvCxnSpPr>
+            <p:cNvPr id="73" name="Straight Connector 72">
+              <a:extLst>
+                <a:ext uri="{FF2B5EF4-FFF2-40B4-BE49-F238E27FC236}">
+                  <a16:creationId xmlns:a16="http://schemas.microsoft.com/office/drawing/2014/main" id="{3081D4BC-8079-884C-9A82-AEF27D334C9D}"/>
+                </a:ext>
+              </a:extLst>
+            </p:cNvPr>
+            <p:cNvCxnSpPr>
+              <a:cxnSpLocks/>
+            </p:cNvCxnSpPr>
+            <p:nvPr/>
+          </p:nvCxnSpPr>
+          <p:spPr>
+            <a:xfrm flipH="1" flipV="1">
+              <a:off x="1891726" y="951762"/>
+              <a:ext cx="641321" cy="341973"/>
+            </a:xfrm>
+            <a:prstGeom prst="line">
+              <a:avLst/>
+            </a:prstGeom>
+            <a:ln w="19050" cap="rnd">
+              <a:solidFill>
+                <a:schemeClr val="tx1"/>
+              </a:solidFill>
+              <a:miter lim="800000"/>
+              <a:headEnd type="oval"/>
+              <a:tailEnd type="oval"/>
+            </a:ln>
+          </p:spPr>
+          <p:style>
+            <a:lnRef idx="1">
+              <a:schemeClr val="accent1"/>
+            </a:lnRef>
+            <a:fillRef idx="0">
+              <a:schemeClr val="accent1"/>
+            </a:fillRef>
+            <a:effectRef idx="0">
+              <a:schemeClr val="accent1"/>
+            </a:effectRef>
+            <a:fontRef idx="minor">
+              <a:schemeClr val="tx1"/>
+            </a:fontRef>
+          </p:style>
+        </p:cxnSp>
+        <p:cxnSp>
+          <p:nvCxnSpPr>
+            <p:cNvPr id="74" name="Straight Connector 73">
+              <a:extLst>
+                <a:ext uri="{FF2B5EF4-FFF2-40B4-BE49-F238E27FC236}">
+                  <a16:creationId xmlns:a16="http://schemas.microsoft.com/office/drawing/2014/main" id="{B48A6EE4-D382-E14A-8041-F66089A4BB9D}"/>
+                </a:ext>
+              </a:extLst>
+            </p:cNvPr>
+            <p:cNvCxnSpPr>
+              <a:cxnSpLocks/>
+            </p:cNvCxnSpPr>
+            <p:nvPr/>
+          </p:nvCxnSpPr>
+          <p:spPr>
+            <a:xfrm flipH="1" flipV="1">
+              <a:off x="2533049" y="1293735"/>
+              <a:ext cx="1868193" cy="108299"/>
+            </a:xfrm>
+            <a:prstGeom prst="line">
+              <a:avLst/>
+            </a:prstGeom>
+            <a:ln w="19050" cap="rnd">
+              <a:solidFill>
+                <a:schemeClr val="tx1"/>
+              </a:solidFill>
+              <a:miter lim="800000"/>
+              <a:headEnd type="oval"/>
+              <a:tailEnd type="oval"/>
+            </a:ln>
+          </p:spPr>
+          <p:style>
+            <a:lnRef idx="1">
+              <a:schemeClr val="accent1"/>
+            </a:lnRef>
+            <a:fillRef idx="0">
+              <a:schemeClr val="accent1"/>
+            </a:fillRef>
+            <a:effectRef idx="0">
+              <a:schemeClr val="accent1"/>
+            </a:effectRef>
+            <a:fontRef idx="minor">
+              <a:schemeClr val="tx1"/>
+            </a:fontRef>
+          </p:style>
+        </p:cxnSp>
+        <p:cxnSp>
+          <p:nvCxnSpPr>
+            <p:cNvPr id="75" name="Straight Connector 74">
+              <a:extLst>
+                <a:ext uri="{FF2B5EF4-FFF2-40B4-BE49-F238E27FC236}">
+                  <a16:creationId xmlns:a16="http://schemas.microsoft.com/office/drawing/2014/main" id="{9E28EFFB-A755-5A46-86D7-C7F861C7A6C7}"/>
+                </a:ext>
+              </a:extLst>
+            </p:cNvPr>
+            <p:cNvCxnSpPr>
+              <a:cxnSpLocks/>
+            </p:cNvCxnSpPr>
+            <p:nvPr/>
+          </p:nvCxnSpPr>
+          <p:spPr>
+            <a:xfrm flipH="1">
+              <a:off x="4401244" y="220717"/>
+              <a:ext cx="646542" cy="1181316"/>
+            </a:xfrm>
+            <a:prstGeom prst="line">
+              <a:avLst/>
+            </a:prstGeom>
+            <a:ln w="19050" cap="rnd">
+              <a:solidFill>
+                <a:schemeClr val="tx1"/>
+              </a:solidFill>
+              <a:miter lim="800000"/>
+              <a:headEnd type="oval"/>
+              <a:tailEnd type="oval"/>
+            </a:ln>
+          </p:spPr>
+          <p:style>
+            <a:lnRef idx="1">
+              <a:schemeClr val="accent1"/>
+            </a:lnRef>
+            <a:fillRef idx="0">
+              <a:schemeClr val="accent1"/>
+            </a:fillRef>
+            <a:effectRef idx="0">
+              <a:schemeClr val="accent1"/>
+            </a:effectRef>
+            <a:fontRef idx="minor">
+              <a:schemeClr val="tx1"/>
+            </a:fontRef>
+          </p:style>
+        </p:cxnSp>
+        <p:cxnSp>
+          <p:nvCxnSpPr>
+            <p:cNvPr id="76" name="Straight Connector 75">
+              <a:extLst>
+                <a:ext uri="{FF2B5EF4-FFF2-40B4-BE49-F238E27FC236}">
+                  <a16:creationId xmlns:a16="http://schemas.microsoft.com/office/drawing/2014/main" id="{324627EF-02B8-6940-A73F-309DDFBD072C}"/>
+                </a:ext>
+              </a:extLst>
+            </p:cNvPr>
+            <p:cNvCxnSpPr>
+              <a:cxnSpLocks/>
+            </p:cNvCxnSpPr>
+            <p:nvPr/>
+          </p:nvCxnSpPr>
+          <p:spPr>
+            <a:xfrm flipH="1" flipV="1">
+              <a:off x="5047786" y="218345"/>
+              <a:ext cx="1995056" cy="564853"/>
+            </a:xfrm>
+            <a:prstGeom prst="line">
+              <a:avLst/>
+            </a:prstGeom>
+            <a:ln w="19050" cap="rnd">
+              <a:solidFill>
+                <a:schemeClr val="tx1"/>
+              </a:solidFill>
+              <a:miter lim="800000"/>
+              <a:headEnd type="oval"/>
+              <a:tailEnd type="oval"/>
+            </a:ln>
+          </p:spPr>
+          <p:style>
+            <a:lnRef idx="1">
+              <a:schemeClr val="accent1"/>
+            </a:lnRef>
+            <a:fillRef idx="0">
+              <a:schemeClr val="accent1"/>
+            </a:fillRef>
+            <a:effectRef idx="0">
+              <a:schemeClr val="accent1"/>
+            </a:effectRef>
+            <a:fontRef idx="minor">
+              <a:schemeClr val="tx1"/>
+            </a:fontRef>
+          </p:style>
+        </p:cxnSp>
+        <p:cxnSp>
+          <p:nvCxnSpPr>
+            <p:cNvPr id="77" name="Straight Connector 76">
+              <a:extLst>
+                <a:ext uri="{FF2B5EF4-FFF2-40B4-BE49-F238E27FC236}">
+                  <a16:creationId xmlns:a16="http://schemas.microsoft.com/office/drawing/2014/main" id="{2527C240-492F-2E49-B5D3-C31CF1E37E4C}"/>
+                </a:ext>
+              </a:extLst>
+            </p:cNvPr>
+            <p:cNvCxnSpPr>
+              <a:cxnSpLocks/>
+            </p:cNvCxnSpPr>
+            <p:nvPr/>
+          </p:nvCxnSpPr>
+          <p:spPr>
+            <a:xfrm flipH="1" flipV="1">
+              <a:off x="7042843" y="783198"/>
+              <a:ext cx="646544" cy="533887"/>
+            </a:xfrm>
+            <a:prstGeom prst="line">
+              <a:avLst/>
+            </a:prstGeom>
+            <a:ln w="19050" cap="rnd">
+              <a:solidFill>
+                <a:schemeClr val="tx1"/>
+              </a:solidFill>
+              <a:miter lim="800000"/>
+              <a:headEnd type="oval"/>
+              <a:tailEnd type="oval"/>
+            </a:ln>
+          </p:spPr>
+          <p:style>
+            <a:lnRef idx="1">
+              <a:schemeClr val="accent1"/>
+            </a:lnRef>
+            <a:fillRef idx="0">
+              <a:schemeClr val="accent1"/>
+            </a:fillRef>
+            <a:effectRef idx="0">
+              <a:schemeClr val="accent1"/>
+            </a:effectRef>
+            <a:fontRef idx="minor">
+              <a:schemeClr val="tx1"/>
+            </a:fontRef>
+          </p:style>
+        </p:cxnSp>
+        <p:sp>
+          <p:nvSpPr>
+            <p:cNvPr id="86" name="TextBox 85">
+              <a:extLst>
+                <a:ext uri="{FF2B5EF4-FFF2-40B4-BE49-F238E27FC236}">
+                  <a16:creationId xmlns:a16="http://schemas.microsoft.com/office/drawing/2014/main" id="{C3B0E37A-0BC7-9F41-94EA-DB0223AB324B}"/>
+                </a:ext>
+              </a:extLst>
+            </p:cNvPr>
+            <p:cNvSpPr txBox="1"/>
+            <p:nvPr/>
+          </p:nvSpPr>
+          <p:spPr>
+            <a:xfrm>
+              <a:off x="1525960" y="685238"/>
+              <a:ext cx="407484" cy="461665"/>
+            </a:xfrm>
+            <a:prstGeom prst="rect">
+              <a:avLst/>
+            </a:prstGeom>
+            <a:noFill/>
+          </p:spPr>
+          <p:txBody>
+            <a:bodyPr wrap="none" rtlCol="0">
+              <a:spAutoFit/>
+            </a:bodyPr>
+            <a:lstStyle/>
+            <a:p>
+              <a:r>
+                <a:rPr lang="en-US" altLang="zh-CN" sz="2400" dirty="0">
+                  <a:latin typeface="Times New Roman" panose="02020603050405020304" pitchFamily="18" charset="0"/>
+                  <a:cs typeface="Times New Roman" panose="02020603050405020304" pitchFamily="18" charset="0"/>
+                </a:rPr>
+                <a:t>A</a:t>
+              </a:r>
+            </a:p>
+          </p:txBody>
+        </p:sp>
+        <p:sp>
+          <p:nvSpPr>
+            <p:cNvPr id="87" name="TextBox 86">
+              <a:extLst>
+                <a:ext uri="{FF2B5EF4-FFF2-40B4-BE49-F238E27FC236}">
+                  <a16:creationId xmlns:a16="http://schemas.microsoft.com/office/drawing/2014/main" id="{99120822-9C89-6D4E-9A03-D7FBB4194592}"/>
+                </a:ext>
+              </a:extLst>
+            </p:cNvPr>
+            <p:cNvSpPr txBox="1"/>
+            <p:nvPr/>
+          </p:nvSpPr>
+          <p:spPr>
+            <a:xfrm>
+              <a:off x="4957352" y="242850"/>
+              <a:ext cx="407484" cy="461665"/>
+            </a:xfrm>
+            <a:prstGeom prst="rect">
+              <a:avLst/>
+            </a:prstGeom>
+            <a:noFill/>
+          </p:spPr>
+          <p:txBody>
+            <a:bodyPr wrap="none" rtlCol="0">
+              <a:spAutoFit/>
+            </a:bodyPr>
+            <a:lstStyle/>
+            <a:p>
+              <a:r>
+                <a:rPr lang="en-US" altLang="zh-CN" sz="2400" dirty="0">
+                  <a:latin typeface="Times New Roman" panose="02020603050405020304" pitchFamily="18" charset="0"/>
+                  <a:cs typeface="Times New Roman" panose="02020603050405020304" pitchFamily="18" charset="0"/>
+                </a:rPr>
+                <a:t>D</a:t>
+              </a:r>
+            </a:p>
+          </p:txBody>
+        </p:sp>
+        <p:sp>
+          <p:nvSpPr>
+            <p:cNvPr id="88" name="TextBox 87">
+              <a:extLst>
+                <a:ext uri="{FF2B5EF4-FFF2-40B4-BE49-F238E27FC236}">
+                  <a16:creationId xmlns:a16="http://schemas.microsoft.com/office/drawing/2014/main" id="{072ED938-C502-3642-B78F-1751B86885C8}"/>
+                </a:ext>
+              </a:extLst>
+            </p:cNvPr>
+            <p:cNvSpPr txBox="1"/>
+            <p:nvPr/>
+          </p:nvSpPr>
+          <p:spPr>
+            <a:xfrm>
+              <a:off x="4090709" y="996041"/>
+              <a:ext cx="325730" cy="461665"/>
+            </a:xfrm>
+            <a:prstGeom prst="rect">
+              <a:avLst/>
+            </a:prstGeom>
+            <a:noFill/>
+          </p:spPr>
+          <p:txBody>
+            <a:bodyPr wrap="square" rtlCol="0">
+              <a:spAutoFit/>
+            </a:bodyPr>
+            <a:lstStyle/>
+            <a:p>
+              <a:r>
+                <a:rPr lang="en-US" altLang="zh-CN" sz="2400" dirty="0">
+                  <a:latin typeface="Times New Roman" panose="02020603050405020304" pitchFamily="18" charset="0"/>
+                  <a:cs typeface="Times New Roman" panose="02020603050405020304" pitchFamily="18" charset="0"/>
+                </a:rPr>
+                <a:t>C</a:t>
+              </a:r>
+            </a:p>
+          </p:txBody>
+        </p:sp>
+        <p:sp>
+          <p:nvSpPr>
+            <p:cNvPr id="89" name="TextBox 88">
+              <a:extLst>
+                <a:ext uri="{FF2B5EF4-FFF2-40B4-BE49-F238E27FC236}">
+                  <a16:creationId xmlns:a16="http://schemas.microsoft.com/office/drawing/2014/main" id="{C6650D01-7EC2-1549-9A61-A6AC861FE554}"/>
+                </a:ext>
+              </a:extLst>
+            </p:cNvPr>
+            <p:cNvSpPr txBox="1"/>
+            <p:nvPr/>
+          </p:nvSpPr>
+          <p:spPr>
+            <a:xfrm>
+              <a:off x="2522582" y="922615"/>
+              <a:ext cx="389850" cy="461665"/>
+            </a:xfrm>
+            <a:prstGeom prst="rect">
+              <a:avLst/>
+            </a:prstGeom>
+            <a:noFill/>
+          </p:spPr>
+          <p:txBody>
+            <a:bodyPr wrap="none" rtlCol="0">
+              <a:spAutoFit/>
+            </a:bodyPr>
+            <a:lstStyle/>
+            <a:p>
+              <a:r>
+                <a:rPr lang="en-US" altLang="zh-CN" sz="2400" dirty="0">
+                  <a:latin typeface="Times New Roman" panose="02020603050405020304" pitchFamily="18" charset="0"/>
+                  <a:cs typeface="Times New Roman" panose="02020603050405020304" pitchFamily="18" charset="0"/>
+                </a:rPr>
+                <a:t>B</a:t>
+              </a:r>
+            </a:p>
+          </p:txBody>
+        </p:sp>
+        <p:sp>
+          <p:nvSpPr>
+            <p:cNvPr id="90" name="TextBox 89">
+              <a:extLst>
+                <a:ext uri="{FF2B5EF4-FFF2-40B4-BE49-F238E27FC236}">
+                  <a16:creationId xmlns:a16="http://schemas.microsoft.com/office/drawing/2014/main" id="{72104B1F-0EC8-364A-8A8A-C20FC07F950F}"/>
+                </a:ext>
+              </a:extLst>
+            </p:cNvPr>
+            <p:cNvSpPr txBox="1"/>
+            <p:nvPr/>
+          </p:nvSpPr>
+          <p:spPr>
+            <a:xfrm>
+              <a:off x="6780455" y="764881"/>
+              <a:ext cx="372218" cy="461665"/>
+            </a:xfrm>
+            <a:prstGeom prst="rect">
+              <a:avLst/>
+            </a:prstGeom>
+            <a:noFill/>
+          </p:spPr>
+          <p:txBody>
+            <a:bodyPr wrap="none" rtlCol="0">
+              <a:spAutoFit/>
+            </a:bodyPr>
+            <a:lstStyle/>
+            <a:p>
+              <a:r>
+                <a:rPr lang="en-US" altLang="zh-CN" sz="2400" dirty="0">
+                  <a:latin typeface="Times New Roman" panose="02020603050405020304" pitchFamily="18" charset="0"/>
+                  <a:cs typeface="Times New Roman" panose="02020603050405020304" pitchFamily="18" charset="0"/>
+                </a:rPr>
+                <a:t>E</a:t>
+              </a:r>
+            </a:p>
+          </p:txBody>
+        </p:sp>
+        <p:sp>
+          <p:nvSpPr>
+            <p:cNvPr id="91" name="TextBox 90">
+              <a:extLst>
+                <a:ext uri="{FF2B5EF4-FFF2-40B4-BE49-F238E27FC236}">
+                  <a16:creationId xmlns:a16="http://schemas.microsoft.com/office/drawing/2014/main" id="{9BFE6CF6-5CD2-F945-85FC-03D73E69B857}"/>
+                </a:ext>
+              </a:extLst>
+            </p:cNvPr>
+            <p:cNvSpPr txBox="1"/>
+            <p:nvPr/>
+          </p:nvSpPr>
+          <p:spPr>
+            <a:xfrm>
+              <a:off x="7682743" y="1153447"/>
+              <a:ext cx="356188" cy="461665"/>
+            </a:xfrm>
+            <a:prstGeom prst="rect">
+              <a:avLst/>
+            </a:prstGeom>
+            <a:noFill/>
+          </p:spPr>
+          <p:txBody>
+            <a:bodyPr wrap="none" rtlCol="0">
+              <a:spAutoFit/>
+            </a:bodyPr>
+            <a:lstStyle/>
+            <a:p>
+              <a:r>
+                <a:rPr lang="en-US" altLang="zh-CN" sz="2400" dirty="0">
+                  <a:latin typeface="Times New Roman" panose="02020603050405020304" pitchFamily="18" charset="0"/>
+                  <a:cs typeface="Times New Roman" panose="02020603050405020304" pitchFamily="18" charset="0"/>
+                </a:rPr>
+                <a:t>F</a:t>
+              </a:r>
+            </a:p>
+          </p:txBody>
+        </p:sp>
+      </p:grpSp>
+      <p:grpSp>
+        <p:nvGrpSpPr>
+          <p:cNvPr id="2" name="Group 1">
+            <a:extLst>
+              <a:ext uri="{FF2B5EF4-FFF2-40B4-BE49-F238E27FC236}">
+                <a16:creationId xmlns:a16="http://schemas.microsoft.com/office/drawing/2014/main" id="{507C7FB7-0429-8744-81D9-A576F39600AD}"/>
+              </a:ext>
+            </a:extLst>
+          </p:cNvPr>
+          <p:cNvGrpSpPr/>
+          <p:nvPr/>
+        </p:nvGrpSpPr>
+        <p:grpSpPr>
+          <a:xfrm>
+            <a:off x="6490176" y="135422"/>
+            <a:ext cx="6579037" cy="1542619"/>
+            <a:chOff x="5063825" y="1404857"/>
+            <a:chExt cx="6579037" cy="1542619"/>
+          </a:xfrm>
+        </p:grpSpPr>
+        <p:sp>
+          <p:nvSpPr>
+            <p:cNvPr id="28" name="Rectangle 27">
+              <a:extLst>
+                <a:ext uri="{FF2B5EF4-FFF2-40B4-BE49-F238E27FC236}">
+                  <a16:creationId xmlns:a16="http://schemas.microsoft.com/office/drawing/2014/main" id="{43759194-98E1-A442-87D3-4227EB8E04B4}"/>
+                </a:ext>
+              </a:extLst>
+            </p:cNvPr>
+            <p:cNvSpPr/>
+            <p:nvPr/>
+          </p:nvSpPr>
+          <p:spPr>
+            <a:xfrm rot="218362">
+              <a:off x="5444958" y="1696360"/>
+              <a:ext cx="5871554" cy="625695"/>
+            </a:xfrm>
+            <a:prstGeom prst="rect">
+              <a:avLst/>
+            </a:prstGeom>
+            <a:noFill/>
+            <a:ln w="15875">
+              <a:solidFill>
+                <a:srgbClr val="C00000"/>
+              </a:solidFill>
+              <a:prstDash val="dash"/>
+            </a:ln>
+          </p:spPr>
+          <p:style>
+            <a:lnRef idx="2">
+              <a:schemeClr val="accent1">
+                <a:shade val="50000"/>
+              </a:schemeClr>
+            </a:lnRef>
+            <a:fillRef idx="1">
+              <a:schemeClr val="accent1"/>
+            </a:fillRef>
+            <a:effectRef idx="0">
+              <a:schemeClr val="accent1"/>
+            </a:effectRef>
+            <a:fontRef idx="minor">
+              <a:schemeClr val="lt1"/>
+            </a:fontRef>
+          </p:style>
+          <p:txBody>
+            <a:bodyPr rtlCol="0" anchor="ctr"/>
+            <a:lstStyle/>
+            <a:p>
+              <a:pPr algn="ctr"/>
+              <a:endParaRPr lang="en-US" sz="2400"/>
+            </a:p>
+          </p:txBody>
+        </p:sp>
+        <p:sp>
+          <p:nvSpPr>
+            <p:cNvPr id="37" name="Rectangle 36">
+              <a:extLst>
+                <a:ext uri="{FF2B5EF4-FFF2-40B4-BE49-F238E27FC236}">
+                  <a16:creationId xmlns:a16="http://schemas.microsoft.com/office/drawing/2014/main" id="{A604E512-C076-CA48-8A6E-0AA3CA7C826C}"/>
+                </a:ext>
+              </a:extLst>
+            </p:cNvPr>
+            <p:cNvSpPr/>
+            <p:nvPr/>
+          </p:nvSpPr>
+          <p:spPr>
+            <a:xfrm rot="218362">
+              <a:off x="5401182" y="2321781"/>
+              <a:ext cx="5871554" cy="625695"/>
+            </a:xfrm>
+            <a:prstGeom prst="rect">
+              <a:avLst/>
+            </a:prstGeom>
+            <a:noFill/>
+            <a:ln w="15875">
+              <a:solidFill>
+                <a:srgbClr val="C00000"/>
+              </a:solidFill>
+              <a:prstDash val="dash"/>
+            </a:ln>
+          </p:spPr>
+          <p:style>
+            <a:lnRef idx="2">
+              <a:schemeClr val="accent1">
+                <a:shade val="50000"/>
+              </a:schemeClr>
+            </a:lnRef>
+            <a:fillRef idx="1">
+              <a:schemeClr val="accent1"/>
+            </a:fillRef>
+            <a:effectRef idx="0">
+              <a:schemeClr val="accent1"/>
+            </a:effectRef>
+            <a:fontRef idx="minor">
+              <a:schemeClr val="lt1"/>
+            </a:fontRef>
+          </p:style>
+          <p:txBody>
+            <a:bodyPr rtlCol="0" anchor="ctr"/>
+            <a:lstStyle/>
+            <a:p>
+              <a:pPr algn="ctr"/>
+              <a:endParaRPr lang="en-US" sz="2400"/>
+            </a:p>
+          </p:txBody>
+        </p:sp>
+        <p:cxnSp>
+          <p:nvCxnSpPr>
+            <p:cNvPr id="68" name="Straight Connector 67">
+              <a:extLst>
+                <a:ext uri="{FF2B5EF4-FFF2-40B4-BE49-F238E27FC236}">
+                  <a16:creationId xmlns:a16="http://schemas.microsoft.com/office/drawing/2014/main" id="{A46AEF17-E7BC-F742-BD98-B5267E538452}"/>
+                </a:ext>
+              </a:extLst>
+            </p:cNvPr>
+            <p:cNvCxnSpPr>
+              <a:cxnSpLocks/>
+            </p:cNvCxnSpPr>
+            <p:nvPr/>
+          </p:nvCxnSpPr>
+          <p:spPr>
+            <a:xfrm flipH="1" flipV="1">
+              <a:off x="5441167" y="2138274"/>
+              <a:ext cx="641321" cy="341973"/>
+            </a:xfrm>
+            <a:prstGeom prst="line">
+              <a:avLst/>
+            </a:prstGeom>
+            <a:ln w="19050" cap="rnd">
+              <a:solidFill>
+                <a:schemeClr val="tx1"/>
+              </a:solidFill>
+              <a:miter lim="800000"/>
+              <a:headEnd type="oval"/>
+              <a:tailEnd type="oval"/>
+            </a:ln>
+          </p:spPr>
+          <p:style>
+            <a:lnRef idx="1">
+              <a:schemeClr val="accent1"/>
+            </a:lnRef>
+            <a:fillRef idx="0">
+              <a:schemeClr val="accent1"/>
+            </a:fillRef>
+            <a:effectRef idx="0">
+              <a:schemeClr val="accent1"/>
+            </a:effectRef>
+            <a:fontRef idx="minor">
+              <a:schemeClr val="tx1"/>
+            </a:fontRef>
+          </p:style>
+        </p:cxnSp>
+        <p:cxnSp>
+          <p:nvCxnSpPr>
+            <p:cNvPr id="69" name="Straight Connector 68">
+              <a:extLst>
+                <a:ext uri="{FF2B5EF4-FFF2-40B4-BE49-F238E27FC236}">
+                  <a16:creationId xmlns:a16="http://schemas.microsoft.com/office/drawing/2014/main" id="{6A549FAF-CD4C-3A47-AAFF-4F5C525B45D0}"/>
+                </a:ext>
+              </a:extLst>
+            </p:cNvPr>
+            <p:cNvCxnSpPr>
+              <a:cxnSpLocks/>
+            </p:cNvCxnSpPr>
+            <p:nvPr/>
+          </p:nvCxnSpPr>
+          <p:spPr>
+            <a:xfrm flipH="1" flipV="1">
+              <a:off x="6082490" y="2480247"/>
+              <a:ext cx="1868193" cy="108299"/>
+            </a:xfrm>
+            <a:prstGeom prst="line">
+              <a:avLst/>
+            </a:prstGeom>
+            <a:ln w="19050" cap="rnd">
+              <a:solidFill>
+                <a:schemeClr val="tx1"/>
+              </a:solidFill>
+              <a:miter lim="800000"/>
+              <a:headEnd type="oval"/>
+              <a:tailEnd type="oval"/>
+            </a:ln>
+          </p:spPr>
+          <p:style>
+            <a:lnRef idx="1">
+              <a:schemeClr val="accent1"/>
+            </a:lnRef>
+            <a:fillRef idx="0">
+              <a:schemeClr val="accent1"/>
+            </a:fillRef>
+            <a:effectRef idx="0">
+              <a:schemeClr val="accent1"/>
+            </a:effectRef>
+            <a:fontRef idx="minor">
+              <a:schemeClr val="tx1"/>
+            </a:fontRef>
+          </p:style>
+        </p:cxnSp>
+        <p:cxnSp>
+          <p:nvCxnSpPr>
+            <p:cNvPr id="70" name="Straight Connector 69">
+              <a:extLst>
+                <a:ext uri="{FF2B5EF4-FFF2-40B4-BE49-F238E27FC236}">
+                  <a16:creationId xmlns:a16="http://schemas.microsoft.com/office/drawing/2014/main" id="{CAADA2D9-EE4B-154D-98C7-B7BB297F84CB}"/>
+                </a:ext>
+              </a:extLst>
+            </p:cNvPr>
+            <p:cNvCxnSpPr>
+              <a:cxnSpLocks/>
+            </p:cNvCxnSpPr>
+            <p:nvPr/>
+          </p:nvCxnSpPr>
+          <p:spPr>
+            <a:xfrm flipH="1">
+              <a:off x="7950685" y="1407229"/>
+              <a:ext cx="646542" cy="1181316"/>
+            </a:xfrm>
+            <a:prstGeom prst="line">
+              <a:avLst/>
+            </a:prstGeom>
+            <a:ln w="19050" cap="rnd">
+              <a:solidFill>
+                <a:schemeClr val="tx1"/>
+              </a:solidFill>
+              <a:miter lim="800000"/>
+              <a:headEnd type="oval"/>
+              <a:tailEnd type="oval"/>
+            </a:ln>
+          </p:spPr>
+          <p:style>
+            <a:lnRef idx="1">
+              <a:schemeClr val="accent1"/>
+            </a:lnRef>
+            <a:fillRef idx="0">
+              <a:schemeClr val="accent1"/>
+            </a:fillRef>
+            <a:effectRef idx="0">
+              <a:schemeClr val="accent1"/>
+            </a:effectRef>
+            <a:fontRef idx="minor">
+              <a:schemeClr val="tx1"/>
+            </a:fontRef>
+          </p:style>
+        </p:cxnSp>
+        <p:cxnSp>
+          <p:nvCxnSpPr>
+            <p:cNvPr id="71" name="Straight Connector 70">
+              <a:extLst>
+                <a:ext uri="{FF2B5EF4-FFF2-40B4-BE49-F238E27FC236}">
+                  <a16:creationId xmlns:a16="http://schemas.microsoft.com/office/drawing/2014/main" id="{DF7F903E-BCB7-AB42-8212-8597CAB4EFB0}"/>
+                </a:ext>
+              </a:extLst>
+            </p:cNvPr>
+            <p:cNvCxnSpPr>
+              <a:cxnSpLocks/>
+            </p:cNvCxnSpPr>
+            <p:nvPr/>
+          </p:nvCxnSpPr>
+          <p:spPr>
+            <a:xfrm flipH="1" flipV="1">
+              <a:off x="8597227" y="1404857"/>
+              <a:ext cx="1995056" cy="564853"/>
+            </a:xfrm>
+            <a:prstGeom prst="line">
+              <a:avLst/>
+            </a:prstGeom>
+            <a:ln w="19050" cap="rnd">
+              <a:solidFill>
+                <a:schemeClr val="tx1"/>
+              </a:solidFill>
+              <a:miter lim="800000"/>
+              <a:headEnd type="oval"/>
+              <a:tailEnd type="oval"/>
+            </a:ln>
+          </p:spPr>
+          <p:style>
+            <a:lnRef idx="1">
+              <a:schemeClr val="accent1"/>
+            </a:lnRef>
+            <a:fillRef idx="0">
+              <a:schemeClr val="accent1"/>
+            </a:fillRef>
+            <a:effectRef idx="0">
+              <a:schemeClr val="accent1"/>
+            </a:effectRef>
+            <a:fontRef idx="minor">
+              <a:schemeClr val="tx1"/>
+            </a:fontRef>
+          </p:style>
+        </p:cxnSp>
+        <p:cxnSp>
+          <p:nvCxnSpPr>
+            <p:cNvPr id="72" name="Straight Connector 71">
+              <a:extLst>
+                <a:ext uri="{FF2B5EF4-FFF2-40B4-BE49-F238E27FC236}">
+                  <a16:creationId xmlns:a16="http://schemas.microsoft.com/office/drawing/2014/main" id="{EDD4FE43-B034-7248-BDDB-E96ADF9CA216}"/>
+                </a:ext>
+              </a:extLst>
+            </p:cNvPr>
+            <p:cNvCxnSpPr>
+              <a:cxnSpLocks/>
+            </p:cNvCxnSpPr>
+            <p:nvPr/>
+          </p:nvCxnSpPr>
+          <p:spPr>
+            <a:xfrm flipH="1" flipV="1">
+              <a:off x="10592284" y="1969710"/>
+              <a:ext cx="646544" cy="533887"/>
+            </a:xfrm>
+            <a:prstGeom prst="line">
+              <a:avLst/>
+            </a:prstGeom>
+            <a:ln w="19050" cap="rnd">
+              <a:solidFill>
+                <a:schemeClr val="tx1"/>
+              </a:solidFill>
+              <a:miter lim="800000"/>
+              <a:headEnd type="oval"/>
+              <a:tailEnd type="oval"/>
+            </a:ln>
+          </p:spPr>
+          <p:style>
+            <a:lnRef idx="1">
+              <a:schemeClr val="accent1"/>
+            </a:lnRef>
+            <a:fillRef idx="0">
+              <a:schemeClr val="accent1"/>
+            </a:fillRef>
+            <a:effectRef idx="0">
+              <a:schemeClr val="accent1"/>
+            </a:effectRef>
+            <a:fontRef idx="minor">
+              <a:schemeClr val="tx1"/>
+            </a:fontRef>
+          </p:style>
+        </p:cxnSp>
+        <p:sp>
+          <p:nvSpPr>
+            <p:cNvPr id="110" name="TextBox 109">
+              <a:extLst>
+                <a:ext uri="{FF2B5EF4-FFF2-40B4-BE49-F238E27FC236}">
+                  <a16:creationId xmlns:a16="http://schemas.microsoft.com/office/drawing/2014/main" id="{423107AC-3575-CF49-B64B-ADD5E822ABA7}"/>
+                </a:ext>
+              </a:extLst>
+            </p:cNvPr>
+            <p:cNvSpPr txBox="1"/>
+            <p:nvPr/>
+          </p:nvSpPr>
+          <p:spPr>
+            <a:xfrm>
+              <a:off x="5063825" y="1917292"/>
+              <a:ext cx="407484" cy="461665"/>
+            </a:xfrm>
+            <a:prstGeom prst="rect">
+              <a:avLst/>
+            </a:prstGeom>
+            <a:noFill/>
+          </p:spPr>
+          <p:txBody>
+            <a:bodyPr wrap="none" rtlCol="0">
+              <a:spAutoFit/>
+            </a:bodyPr>
+            <a:lstStyle/>
+            <a:p>
+              <a:r>
+                <a:rPr lang="en-US" altLang="zh-CN" sz="2400" dirty="0">
+                  <a:latin typeface="Times New Roman" panose="02020603050405020304" pitchFamily="18" charset="0"/>
+                  <a:cs typeface="Times New Roman" panose="02020603050405020304" pitchFamily="18" charset="0"/>
+                </a:rPr>
+                <a:t>A</a:t>
+              </a:r>
+            </a:p>
+          </p:txBody>
+        </p:sp>
+        <p:sp>
+          <p:nvSpPr>
+            <p:cNvPr id="111" name="TextBox 110">
+              <a:extLst>
+                <a:ext uri="{FF2B5EF4-FFF2-40B4-BE49-F238E27FC236}">
+                  <a16:creationId xmlns:a16="http://schemas.microsoft.com/office/drawing/2014/main" id="{18776D39-0815-C04D-9A2D-117CE805BD34}"/>
+                </a:ext>
+              </a:extLst>
+            </p:cNvPr>
+            <p:cNvSpPr txBox="1"/>
+            <p:nvPr/>
+          </p:nvSpPr>
+          <p:spPr>
+            <a:xfrm>
+              <a:off x="8506793" y="1406740"/>
+              <a:ext cx="407484" cy="461665"/>
+            </a:xfrm>
+            <a:prstGeom prst="rect">
+              <a:avLst/>
+            </a:prstGeom>
+            <a:noFill/>
+          </p:spPr>
+          <p:txBody>
+            <a:bodyPr wrap="none" rtlCol="0">
+              <a:spAutoFit/>
+            </a:bodyPr>
+            <a:lstStyle/>
+            <a:p>
+              <a:r>
+                <a:rPr lang="en-US" altLang="zh-CN" sz="2400" dirty="0">
+                  <a:latin typeface="Times New Roman" panose="02020603050405020304" pitchFamily="18" charset="0"/>
+                  <a:cs typeface="Times New Roman" panose="02020603050405020304" pitchFamily="18" charset="0"/>
+                </a:rPr>
+                <a:t>D</a:t>
+              </a:r>
+            </a:p>
+          </p:txBody>
+        </p:sp>
+        <p:sp>
+          <p:nvSpPr>
+            <p:cNvPr id="112" name="TextBox 111">
+              <a:extLst>
+                <a:ext uri="{FF2B5EF4-FFF2-40B4-BE49-F238E27FC236}">
+                  <a16:creationId xmlns:a16="http://schemas.microsoft.com/office/drawing/2014/main" id="{4FD296FB-B533-C745-B9D2-7FC210D82B66}"/>
+                </a:ext>
+              </a:extLst>
+            </p:cNvPr>
+            <p:cNvSpPr txBox="1"/>
+            <p:nvPr/>
+          </p:nvSpPr>
+          <p:spPr>
+            <a:xfrm>
+              <a:off x="7632477" y="2223394"/>
+              <a:ext cx="333403" cy="461664"/>
+            </a:xfrm>
+            <a:prstGeom prst="rect">
+              <a:avLst/>
+            </a:prstGeom>
+            <a:noFill/>
+          </p:spPr>
+          <p:txBody>
+            <a:bodyPr wrap="square" rtlCol="0">
+              <a:spAutoFit/>
+            </a:bodyPr>
+            <a:lstStyle/>
+            <a:p>
+              <a:r>
+                <a:rPr lang="en-US" altLang="zh-CN" sz="2400" dirty="0">
+                  <a:latin typeface="Times New Roman" panose="02020603050405020304" pitchFamily="18" charset="0"/>
+                  <a:cs typeface="Times New Roman" panose="02020603050405020304" pitchFamily="18" charset="0"/>
+                </a:rPr>
+                <a:t>C</a:t>
+              </a:r>
+            </a:p>
+          </p:txBody>
+        </p:sp>
+        <p:sp>
+          <p:nvSpPr>
+            <p:cNvPr id="113" name="TextBox 112">
+              <a:extLst>
+                <a:ext uri="{FF2B5EF4-FFF2-40B4-BE49-F238E27FC236}">
+                  <a16:creationId xmlns:a16="http://schemas.microsoft.com/office/drawing/2014/main" id="{ED67F9F1-AC31-4340-B7D5-E5239E5F38E1}"/>
+                </a:ext>
+              </a:extLst>
+            </p:cNvPr>
+            <p:cNvSpPr txBox="1"/>
+            <p:nvPr/>
+          </p:nvSpPr>
+          <p:spPr>
+            <a:xfrm>
+              <a:off x="6050174" y="2105782"/>
+              <a:ext cx="389850" cy="461665"/>
+            </a:xfrm>
+            <a:prstGeom prst="rect">
+              <a:avLst/>
+            </a:prstGeom>
+            <a:noFill/>
+          </p:spPr>
+          <p:txBody>
+            <a:bodyPr wrap="none" rtlCol="0">
+              <a:spAutoFit/>
+            </a:bodyPr>
+            <a:lstStyle/>
+            <a:p>
+              <a:r>
+                <a:rPr lang="en-US" altLang="zh-CN" sz="2400" dirty="0">
+                  <a:latin typeface="Times New Roman" panose="02020603050405020304" pitchFamily="18" charset="0"/>
+                  <a:cs typeface="Times New Roman" panose="02020603050405020304" pitchFamily="18" charset="0"/>
+                </a:rPr>
+                <a:t>B</a:t>
+              </a:r>
+            </a:p>
+          </p:txBody>
+        </p:sp>
+        <p:sp>
+          <p:nvSpPr>
+            <p:cNvPr id="114" name="TextBox 113">
+              <a:extLst>
+                <a:ext uri="{FF2B5EF4-FFF2-40B4-BE49-F238E27FC236}">
+                  <a16:creationId xmlns:a16="http://schemas.microsoft.com/office/drawing/2014/main" id="{3A86F491-9B93-7448-AB66-14CD877C5DFE}"/>
+                </a:ext>
+              </a:extLst>
+            </p:cNvPr>
+            <p:cNvSpPr txBox="1"/>
+            <p:nvPr/>
+          </p:nvSpPr>
+          <p:spPr>
+            <a:xfrm>
+              <a:off x="10329896" y="1992233"/>
+              <a:ext cx="372218" cy="461665"/>
+            </a:xfrm>
+            <a:prstGeom prst="rect">
+              <a:avLst/>
+            </a:prstGeom>
+            <a:noFill/>
+          </p:spPr>
+          <p:txBody>
+            <a:bodyPr wrap="none" rtlCol="0">
+              <a:spAutoFit/>
+            </a:bodyPr>
+            <a:lstStyle/>
+            <a:p>
+              <a:r>
+                <a:rPr lang="en-US" altLang="zh-CN" sz="2400" dirty="0">
+                  <a:latin typeface="Times New Roman" panose="02020603050405020304" pitchFamily="18" charset="0"/>
+                  <a:cs typeface="Times New Roman" panose="02020603050405020304" pitchFamily="18" charset="0"/>
+                </a:rPr>
+                <a:t>E</a:t>
+              </a:r>
+            </a:p>
+          </p:txBody>
+        </p:sp>
+        <p:sp>
+          <p:nvSpPr>
+            <p:cNvPr id="115" name="TextBox 114">
+              <a:extLst>
+                <a:ext uri="{FF2B5EF4-FFF2-40B4-BE49-F238E27FC236}">
+                  <a16:creationId xmlns:a16="http://schemas.microsoft.com/office/drawing/2014/main" id="{975B0319-D6CB-C84F-A3F8-305924FB331B}"/>
+                </a:ext>
+              </a:extLst>
+            </p:cNvPr>
+            <p:cNvSpPr txBox="1"/>
+            <p:nvPr/>
+          </p:nvSpPr>
+          <p:spPr>
+            <a:xfrm>
+              <a:off x="11286674" y="2305196"/>
+              <a:ext cx="356188" cy="461665"/>
+            </a:xfrm>
+            <a:prstGeom prst="rect">
+              <a:avLst/>
+            </a:prstGeom>
+            <a:noFill/>
+          </p:spPr>
+          <p:txBody>
+            <a:bodyPr wrap="none" rtlCol="0">
+              <a:spAutoFit/>
+            </a:bodyPr>
+            <a:lstStyle/>
+            <a:p>
+              <a:r>
+                <a:rPr lang="en-US" altLang="zh-CN" sz="2400" dirty="0">
+                  <a:latin typeface="Times New Roman" panose="02020603050405020304" pitchFamily="18" charset="0"/>
+                  <a:cs typeface="Times New Roman" panose="02020603050405020304" pitchFamily="18" charset="0"/>
+                </a:rPr>
+                <a:t>F</a:t>
+              </a:r>
+            </a:p>
+          </p:txBody>
+        </p:sp>
+      </p:grpSp>
+      <p:sp>
+        <p:nvSpPr>
+          <p:cNvPr id="116" name="TextBox 115">
+            <a:extLst>
+              <a:ext uri="{FF2B5EF4-FFF2-40B4-BE49-F238E27FC236}">
+                <a16:creationId xmlns:a16="http://schemas.microsoft.com/office/drawing/2014/main" id="{F6C3CF45-A746-064A-9CD8-7013EC1DA05A}"/>
+              </a:ext>
+            </a:extLst>
+          </p:cNvPr>
+          <p:cNvSpPr txBox="1"/>
+          <p:nvPr/>
+        </p:nvSpPr>
+        <p:spPr>
+          <a:xfrm>
+            <a:off x="6503976" y="3338462"/>
+            <a:ext cx="407484" cy="461665"/>
+          </a:xfrm>
+          <a:prstGeom prst="rect">
+            <a:avLst/>
+          </a:prstGeom>
+          <a:noFill/>
+        </p:spPr>
+        <p:txBody>
+          <a:bodyPr wrap="none" rtlCol="0">
+            <a:spAutoFit/>
+          </a:bodyPr>
+          <a:lstStyle/>
+          <a:p>
+            <a:r>
+              <a:rPr lang="en-US" altLang="zh-CN" sz="2400" dirty="0">
+                <a:latin typeface="Times New Roman" panose="02020603050405020304" pitchFamily="18" charset="0"/>
+                <a:cs typeface="Times New Roman" panose="02020603050405020304" pitchFamily="18" charset="0"/>
+              </a:rPr>
+              <a:t>A</a:t>
+            </a:r>
+          </a:p>
+        </p:txBody>
+      </p:sp>
+      <p:sp>
+        <p:nvSpPr>
+          <p:cNvPr id="117" name="TextBox 116">
+            <a:extLst>
+              <a:ext uri="{FF2B5EF4-FFF2-40B4-BE49-F238E27FC236}">
+                <a16:creationId xmlns:a16="http://schemas.microsoft.com/office/drawing/2014/main" id="{C73D7A8E-C893-A546-B8CC-AF4253D400C5}"/>
+              </a:ext>
+            </a:extLst>
+          </p:cNvPr>
+          <p:cNvSpPr txBox="1"/>
+          <p:nvPr/>
+        </p:nvSpPr>
+        <p:spPr>
+          <a:xfrm>
+            <a:off x="10014726" y="2829063"/>
+            <a:ext cx="407484" cy="461665"/>
+          </a:xfrm>
+          <a:prstGeom prst="rect">
+            <a:avLst/>
+          </a:prstGeom>
+          <a:noFill/>
+        </p:spPr>
+        <p:txBody>
+          <a:bodyPr wrap="none" rtlCol="0">
+            <a:spAutoFit/>
+          </a:bodyPr>
+          <a:lstStyle/>
+          <a:p>
+            <a:r>
+              <a:rPr lang="en-US" altLang="zh-CN" sz="2400" dirty="0">
+                <a:latin typeface="Times New Roman" panose="02020603050405020304" pitchFamily="18" charset="0"/>
+                <a:cs typeface="Times New Roman" panose="02020603050405020304" pitchFamily="18" charset="0"/>
+              </a:rPr>
+              <a:t>D</a:t>
+            </a:r>
+          </a:p>
+        </p:txBody>
+      </p:sp>
+      <p:sp>
+        <p:nvSpPr>
+          <p:cNvPr id="118" name="TextBox 117">
+            <a:extLst>
+              <a:ext uri="{FF2B5EF4-FFF2-40B4-BE49-F238E27FC236}">
+                <a16:creationId xmlns:a16="http://schemas.microsoft.com/office/drawing/2014/main" id="{460DB823-3A66-6346-BD8B-7EE0D7BD72CB}"/>
+              </a:ext>
+            </a:extLst>
+          </p:cNvPr>
+          <p:cNvSpPr txBox="1"/>
+          <p:nvPr/>
+        </p:nvSpPr>
+        <p:spPr>
+          <a:xfrm>
+            <a:off x="9006226" y="3603154"/>
+            <a:ext cx="325730" cy="461665"/>
+          </a:xfrm>
+          <a:prstGeom prst="rect">
+            <a:avLst/>
+          </a:prstGeom>
+          <a:noFill/>
+        </p:spPr>
+        <p:txBody>
+          <a:bodyPr wrap="square" rtlCol="0">
+            <a:spAutoFit/>
+          </a:bodyPr>
+          <a:lstStyle/>
+          <a:p>
+            <a:r>
+              <a:rPr lang="en-US" altLang="zh-CN" sz="2400" dirty="0">
+                <a:latin typeface="Times New Roman" panose="02020603050405020304" pitchFamily="18" charset="0"/>
+                <a:cs typeface="Times New Roman" panose="02020603050405020304" pitchFamily="18" charset="0"/>
+              </a:rPr>
+              <a:t>C</a:t>
+            </a:r>
+          </a:p>
+        </p:txBody>
+      </p:sp>
+      <p:sp>
+        <p:nvSpPr>
+          <p:cNvPr id="119" name="TextBox 118">
+            <a:extLst>
+              <a:ext uri="{FF2B5EF4-FFF2-40B4-BE49-F238E27FC236}">
+                <a16:creationId xmlns:a16="http://schemas.microsoft.com/office/drawing/2014/main" id="{AEE8C356-5C70-8646-B315-0EBE230F045D}"/>
+              </a:ext>
+            </a:extLst>
+          </p:cNvPr>
+          <p:cNvSpPr txBox="1"/>
+          <p:nvPr/>
+        </p:nvSpPr>
+        <p:spPr>
+          <a:xfrm>
+            <a:off x="7435204" y="3454124"/>
+            <a:ext cx="389850" cy="461665"/>
+          </a:xfrm>
+          <a:prstGeom prst="rect">
+            <a:avLst/>
+          </a:prstGeom>
+          <a:noFill/>
+        </p:spPr>
+        <p:txBody>
+          <a:bodyPr wrap="none" rtlCol="0">
+            <a:spAutoFit/>
+          </a:bodyPr>
+          <a:lstStyle/>
+          <a:p>
+            <a:r>
+              <a:rPr lang="en-US" altLang="zh-CN" sz="2400" dirty="0">
+                <a:latin typeface="Times New Roman" panose="02020603050405020304" pitchFamily="18" charset="0"/>
+                <a:cs typeface="Times New Roman" panose="02020603050405020304" pitchFamily="18" charset="0"/>
+              </a:rPr>
+              <a:t>B</a:t>
+            </a:r>
+          </a:p>
+        </p:txBody>
+      </p:sp>
+      <p:sp>
+        <p:nvSpPr>
+          <p:cNvPr id="120" name="TextBox 119">
+            <a:extLst>
+              <a:ext uri="{FF2B5EF4-FFF2-40B4-BE49-F238E27FC236}">
+                <a16:creationId xmlns:a16="http://schemas.microsoft.com/office/drawing/2014/main" id="{9CF2F5E5-9713-E44B-8583-2F0FB604A9E2}"/>
+              </a:ext>
+            </a:extLst>
+          </p:cNvPr>
+          <p:cNvSpPr txBox="1"/>
+          <p:nvPr/>
+        </p:nvSpPr>
+        <p:spPr>
+          <a:xfrm>
+            <a:off x="11857480" y="2921854"/>
+            <a:ext cx="372218" cy="461665"/>
+          </a:xfrm>
+          <a:prstGeom prst="rect">
+            <a:avLst/>
+          </a:prstGeom>
+          <a:noFill/>
+        </p:spPr>
+        <p:txBody>
+          <a:bodyPr wrap="none" rtlCol="0">
+            <a:spAutoFit/>
+          </a:bodyPr>
+          <a:lstStyle/>
+          <a:p>
+            <a:r>
+              <a:rPr lang="en-US" altLang="zh-CN" sz="2400" dirty="0">
+                <a:latin typeface="Times New Roman" panose="02020603050405020304" pitchFamily="18" charset="0"/>
+                <a:cs typeface="Times New Roman" panose="02020603050405020304" pitchFamily="18" charset="0"/>
+              </a:rPr>
+              <a:t>E</a:t>
+            </a:r>
+          </a:p>
+        </p:txBody>
+      </p:sp>
+      <p:sp>
+        <p:nvSpPr>
+          <p:cNvPr id="121" name="TextBox 120">
+            <a:extLst>
+              <a:ext uri="{FF2B5EF4-FFF2-40B4-BE49-F238E27FC236}">
+                <a16:creationId xmlns:a16="http://schemas.microsoft.com/office/drawing/2014/main" id="{FD5F6BD7-4BBA-3146-8402-07C6BEBD4DEE}"/>
+              </a:ext>
+            </a:extLst>
+          </p:cNvPr>
+          <p:cNvSpPr txBox="1"/>
+          <p:nvPr/>
+        </p:nvSpPr>
+        <p:spPr>
+          <a:xfrm>
+            <a:off x="12652750" y="3684957"/>
+            <a:ext cx="356188" cy="461665"/>
+          </a:xfrm>
+          <a:prstGeom prst="rect">
+            <a:avLst/>
+          </a:prstGeom>
+          <a:noFill/>
+        </p:spPr>
+        <p:txBody>
+          <a:bodyPr wrap="none" rtlCol="0">
+            <a:spAutoFit/>
+          </a:bodyPr>
+          <a:lstStyle/>
+          <a:p>
+            <a:r>
+              <a:rPr lang="en-US" altLang="zh-CN" sz="2400" dirty="0">
+                <a:latin typeface="Times New Roman" panose="02020603050405020304" pitchFamily="18" charset="0"/>
+                <a:cs typeface="Times New Roman" panose="02020603050405020304" pitchFamily="18" charset="0"/>
+              </a:rPr>
+              <a:t>F</a:t>
+            </a:r>
+          </a:p>
+        </p:txBody>
+      </p:sp>
+      <p:sp>
+        <p:nvSpPr>
+          <p:cNvPr id="122" name="TextBox 121">
+            <a:extLst>
+              <a:ext uri="{FF2B5EF4-FFF2-40B4-BE49-F238E27FC236}">
+                <a16:creationId xmlns:a16="http://schemas.microsoft.com/office/drawing/2014/main" id="{35B95532-8B82-A44F-83DE-42C5C8EB81A0}"/>
+              </a:ext>
+            </a:extLst>
+          </p:cNvPr>
+          <p:cNvSpPr txBox="1"/>
+          <p:nvPr/>
+        </p:nvSpPr>
+        <p:spPr>
+          <a:xfrm>
+            <a:off x="-35310" y="3250934"/>
+            <a:ext cx="407484" cy="461665"/>
+          </a:xfrm>
+          <a:prstGeom prst="rect">
+            <a:avLst/>
+          </a:prstGeom>
+          <a:noFill/>
+        </p:spPr>
+        <p:txBody>
+          <a:bodyPr wrap="none" rtlCol="0">
+            <a:spAutoFit/>
+          </a:bodyPr>
+          <a:lstStyle/>
+          <a:p>
+            <a:r>
+              <a:rPr lang="en-US" altLang="zh-CN" sz="2400" dirty="0">
+                <a:latin typeface="Times New Roman" panose="02020603050405020304" pitchFamily="18" charset="0"/>
+                <a:cs typeface="Times New Roman" panose="02020603050405020304" pitchFamily="18" charset="0"/>
+              </a:rPr>
+              <a:t>A</a:t>
+            </a:r>
+          </a:p>
+        </p:txBody>
+      </p:sp>
+      <p:sp>
+        <p:nvSpPr>
+          <p:cNvPr id="123" name="TextBox 122">
+            <a:extLst>
+              <a:ext uri="{FF2B5EF4-FFF2-40B4-BE49-F238E27FC236}">
+                <a16:creationId xmlns:a16="http://schemas.microsoft.com/office/drawing/2014/main" id="{67F97736-E239-9849-A684-B5E4C969B0A8}"/>
+              </a:ext>
+            </a:extLst>
+          </p:cNvPr>
+          <p:cNvSpPr txBox="1"/>
+          <p:nvPr/>
+        </p:nvSpPr>
+        <p:spPr>
+          <a:xfrm>
+            <a:off x="3354107" y="2867075"/>
+            <a:ext cx="407484" cy="461665"/>
+          </a:xfrm>
+          <a:prstGeom prst="rect">
+            <a:avLst/>
+          </a:prstGeom>
+          <a:noFill/>
+        </p:spPr>
+        <p:txBody>
+          <a:bodyPr wrap="none" rtlCol="0">
+            <a:spAutoFit/>
+          </a:bodyPr>
+          <a:lstStyle/>
+          <a:p>
+            <a:r>
+              <a:rPr lang="en-US" altLang="zh-CN" sz="2400" dirty="0">
+                <a:latin typeface="Times New Roman" panose="02020603050405020304" pitchFamily="18" charset="0"/>
+                <a:cs typeface="Times New Roman" panose="02020603050405020304" pitchFamily="18" charset="0"/>
+              </a:rPr>
+              <a:t>D</a:t>
+            </a:r>
+          </a:p>
+        </p:txBody>
+      </p:sp>
+      <p:sp>
+        <p:nvSpPr>
+          <p:cNvPr id="124" name="TextBox 123">
+            <a:extLst>
+              <a:ext uri="{FF2B5EF4-FFF2-40B4-BE49-F238E27FC236}">
+                <a16:creationId xmlns:a16="http://schemas.microsoft.com/office/drawing/2014/main" id="{45DD62B4-E89F-E440-8AAF-0C933B9D82EA}"/>
+              </a:ext>
+            </a:extLst>
+          </p:cNvPr>
+          <p:cNvSpPr txBox="1"/>
+          <p:nvPr/>
+        </p:nvSpPr>
+        <p:spPr>
+          <a:xfrm>
+            <a:off x="2466518" y="3471236"/>
+            <a:ext cx="325730" cy="461665"/>
+          </a:xfrm>
+          <a:prstGeom prst="rect">
+            <a:avLst/>
+          </a:prstGeom>
+          <a:noFill/>
+        </p:spPr>
+        <p:txBody>
+          <a:bodyPr wrap="square" rtlCol="0">
+            <a:spAutoFit/>
+          </a:bodyPr>
+          <a:lstStyle/>
+          <a:p>
+            <a:r>
+              <a:rPr lang="en-US" altLang="zh-CN" sz="2400" dirty="0">
+                <a:latin typeface="Times New Roman" panose="02020603050405020304" pitchFamily="18" charset="0"/>
+                <a:cs typeface="Times New Roman" panose="02020603050405020304" pitchFamily="18" charset="0"/>
+              </a:rPr>
+              <a:t>C</a:t>
+            </a:r>
+          </a:p>
+        </p:txBody>
+      </p:sp>
+      <p:sp>
+        <p:nvSpPr>
+          <p:cNvPr id="127" name="TextBox 126">
+            <a:extLst>
+              <a:ext uri="{FF2B5EF4-FFF2-40B4-BE49-F238E27FC236}">
+                <a16:creationId xmlns:a16="http://schemas.microsoft.com/office/drawing/2014/main" id="{E63CBCA6-8C55-5947-B5AA-5C6FFECCE0EB}"/>
+              </a:ext>
+            </a:extLst>
+          </p:cNvPr>
+          <p:cNvSpPr txBox="1"/>
+          <p:nvPr/>
+        </p:nvSpPr>
+        <p:spPr>
+          <a:xfrm>
+            <a:off x="6133988" y="3702069"/>
+            <a:ext cx="356188" cy="461665"/>
+          </a:xfrm>
+          <a:prstGeom prst="rect">
+            <a:avLst/>
+          </a:prstGeom>
+          <a:noFill/>
+        </p:spPr>
+        <p:txBody>
+          <a:bodyPr wrap="none" rtlCol="0">
+            <a:spAutoFit/>
+          </a:bodyPr>
+          <a:lstStyle/>
+          <a:p>
+            <a:r>
+              <a:rPr lang="en-US" altLang="zh-CN" sz="2400" dirty="0">
+                <a:latin typeface="Times New Roman" panose="02020603050405020304" pitchFamily="18" charset="0"/>
+                <a:cs typeface="Times New Roman" panose="02020603050405020304" pitchFamily="18" charset="0"/>
+              </a:rPr>
+              <a:t>F</a:t>
+            </a:r>
+          </a:p>
+        </p:txBody>
+      </p:sp>
+      <p:sp>
+        <p:nvSpPr>
+          <p:cNvPr id="50" name="TextBox 49">
+            <a:extLst>
+              <a:ext uri="{FF2B5EF4-FFF2-40B4-BE49-F238E27FC236}">
+                <a16:creationId xmlns:a16="http://schemas.microsoft.com/office/drawing/2014/main" id="{ABC971E9-4254-1342-B650-80E012B67F7A}"/>
+              </a:ext>
+            </a:extLst>
+          </p:cNvPr>
+          <p:cNvSpPr txBox="1"/>
+          <p:nvPr/>
+        </p:nvSpPr>
+        <p:spPr>
+          <a:xfrm>
+            <a:off x="2083909" y="1657393"/>
+            <a:ext cx="1697901" cy="430887"/>
+          </a:xfrm>
+          <a:prstGeom prst="rect">
+            <a:avLst/>
+          </a:prstGeom>
+          <a:noFill/>
+        </p:spPr>
+        <p:txBody>
+          <a:bodyPr wrap="none" rtlCol="0">
+            <a:spAutoFit/>
+          </a:bodyPr>
+          <a:lstStyle/>
+          <a:p>
+            <a:r>
+              <a:rPr lang="en-US" altLang="zh-CN" sz="2200" dirty="0">
+                <a:latin typeface="Times New Roman" panose="02020603050405020304" pitchFamily="18" charset="0"/>
+                <a:cs typeface="Times New Roman" panose="02020603050405020304" pitchFamily="18" charset="0"/>
+              </a:rPr>
+              <a:t>(a)</a:t>
+            </a:r>
+            <a:r>
+              <a:rPr lang="zh-CN" altLang="en-US" sz="2200" dirty="0">
+                <a:latin typeface="Times New Roman" panose="02020603050405020304" pitchFamily="18" charset="0"/>
+                <a:cs typeface="Times New Roman" panose="02020603050405020304" pitchFamily="18" charset="0"/>
+              </a:rPr>
+              <a:t> </a:t>
+            </a:r>
+            <a:r>
+              <a:rPr lang="ja-JP" altLang="en-US" sz="2200">
+                <a:latin typeface="SimSun" panose="02010600030101010101" pitchFamily="2" charset="-122"/>
+                <a:ea typeface="SimSun" panose="02010600030101010101" pitchFamily="2" charset="-122"/>
+                <a:cs typeface="Times New Roman" panose="02020603050405020304" pitchFamily="18" charset="0"/>
+              </a:rPr>
+              <a:t>原始轨迹</a:t>
+            </a:r>
+            <a:endParaRPr lang="en-US" sz="2200" dirty="0">
+              <a:latin typeface="SimSun" panose="02010600030101010101" pitchFamily="2" charset="-122"/>
+              <a:ea typeface="SimSun" panose="02010600030101010101" pitchFamily="2" charset="-122"/>
+              <a:cs typeface="Times New Roman" panose="02020603050405020304" pitchFamily="18" charset="0"/>
+            </a:endParaRPr>
+          </a:p>
+        </p:txBody>
+      </p:sp>
+      <p:sp>
+        <p:nvSpPr>
+          <p:cNvPr id="51" name="TextBox 50">
+            <a:extLst>
+              <a:ext uri="{FF2B5EF4-FFF2-40B4-BE49-F238E27FC236}">
+                <a16:creationId xmlns:a16="http://schemas.microsoft.com/office/drawing/2014/main" id="{4ADC1421-0A92-5F45-ACFA-0C6BD5F918EB}"/>
+              </a:ext>
+            </a:extLst>
+          </p:cNvPr>
+          <p:cNvSpPr txBox="1"/>
+          <p:nvPr/>
+        </p:nvSpPr>
+        <p:spPr>
+          <a:xfrm>
+            <a:off x="4484792" y="2634932"/>
+            <a:ext cx="453970" cy="369332"/>
+          </a:xfrm>
+          <a:prstGeom prst="rect">
+            <a:avLst/>
+          </a:prstGeom>
+          <a:noFill/>
+        </p:spPr>
+        <p:txBody>
+          <a:bodyPr wrap="none" rtlCol="0">
+            <a:spAutoFit/>
+          </a:bodyPr>
+          <a:lstStyle/>
+          <a:p>
+            <a:r>
+              <a:rPr lang="en-US" altLang="zh-CN" dirty="0">
+                <a:latin typeface="Times New Roman" panose="02020603050405020304" pitchFamily="18" charset="0"/>
+                <a:cs typeface="Times New Roman" panose="02020603050405020304" pitchFamily="18" charset="0"/>
+              </a:rPr>
+              <a:t>(b)</a:t>
+            </a:r>
+            <a:endParaRPr lang="en-US" dirty="0">
+              <a:latin typeface="Times New Roman" panose="02020603050405020304" pitchFamily="18" charset="0"/>
+              <a:cs typeface="Times New Roman" panose="02020603050405020304" pitchFamily="18" charset="0"/>
+            </a:endParaRPr>
+          </a:p>
+        </p:txBody>
+      </p:sp>
+      <p:sp>
+        <p:nvSpPr>
+          <p:cNvPr id="52" name="TextBox 51">
+            <a:extLst>
+              <a:ext uri="{FF2B5EF4-FFF2-40B4-BE49-F238E27FC236}">
+                <a16:creationId xmlns:a16="http://schemas.microsoft.com/office/drawing/2014/main" id="{A2DA5B11-566D-234E-B6B3-6D936E8B99E4}"/>
+              </a:ext>
+            </a:extLst>
+          </p:cNvPr>
+          <p:cNvSpPr txBox="1"/>
+          <p:nvPr/>
+        </p:nvSpPr>
+        <p:spPr>
+          <a:xfrm>
+            <a:off x="4496342" y="4824146"/>
+            <a:ext cx="441146" cy="369332"/>
+          </a:xfrm>
+          <a:prstGeom prst="rect">
+            <a:avLst/>
+          </a:prstGeom>
+          <a:noFill/>
+        </p:spPr>
+        <p:txBody>
+          <a:bodyPr wrap="none" rtlCol="0">
+            <a:spAutoFit/>
+          </a:bodyPr>
+          <a:lstStyle/>
+          <a:p>
+            <a:r>
+              <a:rPr lang="en-US" altLang="zh-CN" dirty="0">
+                <a:latin typeface="Times New Roman" panose="02020603050405020304" pitchFamily="18" charset="0"/>
+                <a:cs typeface="Times New Roman" panose="02020603050405020304" pitchFamily="18" charset="0"/>
+              </a:rPr>
+              <a:t>(c)</a:t>
+            </a:r>
+            <a:endParaRPr lang="en-US" dirty="0">
+              <a:latin typeface="Times New Roman" panose="02020603050405020304" pitchFamily="18" charset="0"/>
+              <a:cs typeface="Times New Roman" panose="02020603050405020304" pitchFamily="18" charset="0"/>
+            </a:endParaRPr>
+          </a:p>
+        </p:txBody>
+      </p:sp>
+      <p:sp>
+        <p:nvSpPr>
+          <p:cNvPr id="53" name="TextBox 52">
+            <a:extLst>
+              <a:ext uri="{FF2B5EF4-FFF2-40B4-BE49-F238E27FC236}">
+                <a16:creationId xmlns:a16="http://schemas.microsoft.com/office/drawing/2014/main" id="{14A14DDC-18FF-EB4A-8997-2EBF3487914A}"/>
+              </a:ext>
+            </a:extLst>
+          </p:cNvPr>
+          <p:cNvSpPr txBox="1"/>
+          <p:nvPr/>
+        </p:nvSpPr>
+        <p:spPr>
+          <a:xfrm>
+            <a:off x="4496342" y="6497439"/>
+            <a:ext cx="453970" cy="369332"/>
+          </a:xfrm>
+          <a:prstGeom prst="rect">
+            <a:avLst/>
+          </a:prstGeom>
+          <a:noFill/>
+        </p:spPr>
+        <p:txBody>
+          <a:bodyPr wrap="none" rtlCol="0">
+            <a:spAutoFit/>
+          </a:bodyPr>
+          <a:lstStyle/>
+          <a:p>
+            <a:r>
+              <a:rPr lang="en-US" altLang="zh-CN" dirty="0">
+                <a:latin typeface="Times New Roman" panose="02020603050405020304" pitchFamily="18" charset="0"/>
+                <a:cs typeface="Times New Roman" panose="02020603050405020304" pitchFamily="18" charset="0"/>
+              </a:rPr>
+              <a:t>(d)</a:t>
+            </a:r>
+            <a:endParaRPr lang="en-US" dirty="0">
+              <a:latin typeface="Times New Roman" panose="02020603050405020304" pitchFamily="18" charset="0"/>
+              <a:cs typeface="Times New Roman" panose="02020603050405020304" pitchFamily="18" charset="0"/>
+            </a:endParaRPr>
+          </a:p>
+        </p:txBody>
+      </p:sp>
+      <p:sp>
+        <p:nvSpPr>
+          <p:cNvPr id="54" name="TextBox 53">
+            <a:extLst>
+              <a:ext uri="{FF2B5EF4-FFF2-40B4-BE49-F238E27FC236}">
+                <a16:creationId xmlns:a16="http://schemas.microsoft.com/office/drawing/2014/main" id="{E853B01E-9A7E-524B-BDDB-FA8127E93823}"/>
+              </a:ext>
+            </a:extLst>
+          </p:cNvPr>
+          <p:cNvSpPr txBox="1"/>
+          <p:nvPr/>
+        </p:nvSpPr>
+        <p:spPr>
+          <a:xfrm>
+            <a:off x="7630129" y="1659276"/>
+            <a:ext cx="4041491" cy="430887"/>
+          </a:xfrm>
+          <a:prstGeom prst="rect">
+            <a:avLst/>
+          </a:prstGeom>
+          <a:noFill/>
+        </p:spPr>
+        <p:txBody>
+          <a:bodyPr wrap="none" rtlCol="0">
+            <a:spAutoFit/>
+          </a:bodyPr>
+          <a:lstStyle/>
+          <a:p>
+            <a:r>
+              <a:rPr lang="en-US" altLang="zh-CN" sz="2200" dirty="0">
+                <a:latin typeface="Times New Roman" panose="02020603050405020304" pitchFamily="18" charset="0"/>
+                <a:ea typeface="SimSun" panose="02010600030101010101" pitchFamily="2" charset="-122"/>
+                <a:cs typeface="Times New Roman" panose="02020603050405020304" pitchFamily="18" charset="0"/>
+              </a:rPr>
+              <a:t>(b)</a:t>
+            </a:r>
+            <a:r>
+              <a:rPr lang="ja-JP" altLang="en-US" sz="2200">
+                <a:latin typeface="SimSun" panose="02010600030101010101" pitchFamily="2" charset="-122"/>
+                <a:ea typeface="SimSun" panose="02010600030101010101" pitchFamily="2" charset="-122"/>
+                <a:cs typeface="Times New Roman" panose="02020603050405020304" pitchFamily="18" charset="0"/>
+              </a:rPr>
+              <a:t>寻找到第一个超过阈值的点</a:t>
+            </a:r>
+            <a:endParaRPr lang="en-US" sz="2200" dirty="0">
+              <a:latin typeface="SimSun" panose="02010600030101010101" pitchFamily="2" charset="-122"/>
+              <a:ea typeface="SimSun" panose="02010600030101010101" pitchFamily="2" charset="-122"/>
+              <a:cs typeface="Times New Roman" panose="02020603050405020304" pitchFamily="18" charset="0"/>
+            </a:endParaRPr>
+          </a:p>
+        </p:txBody>
+      </p:sp>
+      <p:sp>
+        <p:nvSpPr>
+          <p:cNvPr id="55" name="TextBox 54">
+            <a:extLst>
+              <a:ext uri="{FF2B5EF4-FFF2-40B4-BE49-F238E27FC236}">
+                <a16:creationId xmlns:a16="http://schemas.microsoft.com/office/drawing/2014/main" id="{A6F7D67E-DEE4-324E-B8A7-DDD51BED4650}"/>
+              </a:ext>
+            </a:extLst>
+          </p:cNvPr>
+          <p:cNvSpPr txBox="1"/>
+          <p:nvPr/>
+        </p:nvSpPr>
+        <p:spPr>
+          <a:xfrm>
+            <a:off x="1256211" y="4116268"/>
+            <a:ext cx="3884397" cy="430887"/>
+          </a:xfrm>
+          <a:prstGeom prst="rect">
+            <a:avLst/>
+          </a:prstGeom>
+          <a:noFill/>
+        </p:spPr>
+        <p:txBody>
+          <a:bodyPr wrap="none" rtlCol="0">
+            <a:spAutoFit/>
+          </a:bodyPr>
+          <a:lstStyle/>
+          <a:p>
+            <a:r>
+              <a:rPr lang="en-US" altLang="zh-CN" sz="2200" dirty="0">
+                <a:latin typeface="Times New Roman" panose="02020603050405020304" pitchFamily="18" charset="0"/>
+                <a:ea typeface="SimSun" panose="02010600030101010101" pitchFamily="2" charset="-122"/>
+                <a:cs typeface="Times New Roman" panose="02020603050405020304" pitchFamily="18" charset="0"/>
+              </a:rPr>
+              <a:t>(c)</a:t>
+            </a:r>
+            <a:r>
+              <a:rPr lang="ja-JP" altLang="en-US" sz="2200">
+                <a:latin typeface="SimSun" panose="02010600030101010101" pitchFamily="2" charset="-122"/>
+                <a:ea typeface="SimSun" panose="02010600030101010101" pitchFamily="2" charset="-122"/>
+                <a:cs typeface="Times New Roman" panose="02020603050405020304" pitchFamily="18" charset="0"/>
+              </a:rPr>
+              <a:t>寻找到第二个超过阈值的点</a:t>
+            </a:r>
+            <a:endParaRPr lang="en-US" sz="2200" dirty="0">
+              <a:latin typeface="SimSun" panose="02010600030101010101" pitchFamily="2" charset="-122"/>
+              <a:ea typeface="SimSun" panose="02010600030101010101" pitchFamily="2" charset="-122"/>
+              <a:cs typeface="Times New Roman" panose="02020603050405020304" pitchFamily="18" charset="0"/>
+            </a:endParaRPr>
+          </a:p>
+        </p:txBody>
+      </p:sp>
+    </p:spTree>
+    <p:extLst>
+      <p:ext uri="{BB962C8B-B14F-4D97-AF65-F5344CB8AC3E}">
+        <p14:creationId xmlns:p14="http://schemas.microsoft.com/office/powerpoint/2010/main" val="1133819855"/>
+      </p:ext>
+    </p:extLst>
+  </p:cSld>
+  <p:clrMapOvr>
+    <a:masterClrMapping/>
+  </p:clrMapOvr>
+</p:sld>
+</file>
+
+<file path=ppt/slides/slide5.xml><?xml version="1.0" encoding="utf-8"?>
+<p:sld xmlns:a="http://schemas.openxmlformats.org/drawingml/2006/main" xmlns:r="http://schemas.openxmlformats.org/officeDocument/2006/relationships" xmlns:p="http://schemas.openxmlformats.org/presentationml/2006/main">
+  <p:cSld>
+    <p:spTree>
+      <p:nvGrpSpPr>
+        <p:cNvPr id="1" name=""/>
+        <p:cNvGrpSpPr/>
+        <p:nvPr/>
+      </p:nvGrpSpPr>
+      <p:grpSpPr>
+        <a:xfrm>
+          <a:off x="0" y="0"/>
+          <a:ext cx="0" cy="0"/>
+          <a:chOff x="0" y="0"/>
+          <a:chExt cx="0" cy="0"/>
+        </a:xfrm>
+      </p:grpSpPr>
+      <p:sp>
+        <p:nvSpPr>
+          <p:cNvPr id="6" name="Rounded Rectangle 5">
+            <a:extLst>
+              <a:ext uri="{FF2B5EF4-FFF2-40B4-BE49-F238E27FC236}">
+                <a16:creationId xmlns:a16="http://schemas.microsoft.com/office/drawing/2014/main" id="{BC5037B0-9237-2D4D-BD08-1AA9EBCC74D5}"/>
+              </a:ext>
+            </a:extLst>
+          </p:cNvPr>
+          <p:cNvSpPr/>
+          <p:nvPr/>
+        </p:nvSpPr>
+        <p:spPr>
+          <a:xfrm>
+            <a:off x="3352801" y="1280160"/>
+            <a:ext cx="2047538" cy="2000922"/>
+          </a:xfrm>
+          <a:prstGeom prst="roundRect">
+            <a:avLst/>
+          </a:prstGeom>
+          <a:solidFill>
+            <a:schemeClr val="accent3">
+              <a:lumMod val="20000"/>
+              <a:lumOff val="80000"/>
+            </a:schemeClr>
+          </a:solidFill>
+          <a:ln w="19050">
+            <a:solidFill>
+              <a:schemeClr val="tx1"/>
+            </a:solidFill>
+            <a:prstDash val="dash"/>
+          </a:ln>
+        </p:spPr>
+        <p:style>
+          <a:lnRef idx="2">
+            <a:schemeClr val="accent1">
+              <a:shade val="50000"/>
+            </a:schemeClr>
+          </a:lnRef>
+          <a:fillRef idx="1">
+            <a:schemeClr val="accent1"/>
+          </a:fillRef>
+          <a:effectRef idx="0">
+            <a:schemeClr val="accent1"/>
+          </a:effectRef>
+          <a:fontRef idx="minor">
+            <a:schemeClr val="lt1"/>
+          </a:fontRef>
+        </p:style>
+        <p:txBody>
+          <a:bodyPr rtlCol="0" anchor="ctr"/>
+          <a:lstStyle/>
+          <a:p>
+            <a:pPr algn="ctr"/>
+            <a:endParaRPr lang="en-US">
+              <a:solidFill>
+                <a:schemeClr val="tx1"/>
+              </a:solidFill>
+              <a:latin typeface="SimSun" panose="02010600030101010101" pitchFamily="2" charset="-122"/>
+              <a:ea typeface="SimSun" panose="02010600030101010101" pitchFamily="2" charset="-122"/>
+            </a:endParaRPr>
+          </a:p>
+        </p:txBody>
+      </p:sp>
+      <p:pic>
+        <p:nvPicPr>
+          <p:cNvPr id="10" name="Picture 9">
+            <a:extLst>
+              <a:ext uri="{FF2B5EF4-FFF2-40B4-BE49-F238E27FC236}">
+                <a16:creationId xmlns:a16="http://schemas.microsoft.com/office/drawing/2014/main" id="{BD67C0AA-8BC7-1647-A643-D2D47179EB69}"/>
+              </a:ext>
+            </a:extLst>
+          </p:cNvPr>
+          <p:cNvPicPr>
+            <a:picLocks noChangeAspect="1"/>
+          </p:cNvPicPr>
+          <p:nvPr/>
+        </p:nvPicPr>
+        <p:blipFill>
+          <a:blip r:embed="rId2">
+            <a:extLst>
+              <a:ext uri="{BEBA8EAE-BF5A-486C-A8C5-ECC9F3942E4B}">
+                <a14:imgProps xmlns:a14="http://schemas.microsoft.com/office/drawing/2010/main">
+                  <a14:imgLayer r:embed="rId3">
+                    <a14:imgEffect>
+                      <a14:backgroundRemoval t="7611" b="89958" l="9964" r="92572">
+                        <a14:foregroundMark x1="18207" y1="19133" x2="18207" y2="19133"/>
+                        <a14:foregroundMark x1="53623" y1="49154" x2="53623" y2="49154"/>
+                        <a14:foregroundMark x1="66304" y1="51691" x2="66304" y2="51691"/>
+                        <a14:foregroundMark x1="79076" y1="74947" x2="74185" y2="77378"/>
+                        <a14:foregroundMark x1="92301" y1="86575" x2="92301" y2="86575"/>
+                        <a14:foregroundMark x1="64764" y1="50846" x2="68207" y2="51057"/>
+                        <a14:foregroundMark x1="75181" y1="42495" x2="77627" y2="43763"/>
+                        <a14:foregroundMark x1="83243" y1="54123" x2="84330" y2="58879"/>
+                        <a14:foregroundMark x1="78442" y1="80867" x2="81793" y2="83510"/>
+                        <a14:foregroundMark x1="84330" y1="72833" x2="89583" y2="78330"/>
+                        <a14:foregroundMark x1="92663" y1="84038" x2="91033" y2="89218"/>
+                        <a14:foregroundMark x1="42844" y1="41438" x2="42844" y2="43129"/>
+                        <a14:foregroundMark x1="55797" y1="80233" x2="55254" y2="81078"/>
+                        <a14:foregroundMark x1="43931" y1="7611" x2="41938" y2="7611"/>
+                      </a14:backgroundRemoval>
+                    </a14:imgEffect>
+                  </a14:imgLayer>
+                </a14:imgProps>
+              </a:ext>
+            </a:extLst>
+          </a:blip>
+          <a:stretch>
+            <a:fillRect/>
+          </a:stretch>
+        </p:blipFill>
+        <p:spPr>
+          <a:xfrm>
+            <a:off x="3481543" y="2172868"/>
+            <a:ext cx="993338" cy="851175"/>
+          </a:xfrm>
+          <a:prstGeom prst="rect">
+            <a:avLst/>
+          </a:prstGeom>
+        </p:spPr>
+      </p:pic>
+      <p:sp>
+        <p:nvSpPr>
+          <p:cNvPr id="11" name="Rounded Rectangle 10">
+            <a:extLst>
+              <a:ext uri="{FF2B5EF4-FFF2-40B4-BE49-F238E27FC236}">
+                <a16:creationId xmlns:a16="http://schemas.microsoft.com/office/drawing/2014/main" id="{4E804AB7-FB55-3B41-9886-3FC37E7E0AAA}"/>
+              </a:ext>
+            </a:extLst>
+          </p:cNvPr>
+          <p:cNvSpPr/>
+          <p:nvPr/>
+        </p:nvSpPr>
+        <p:spPr>
+          <a:xfrm>
+            <a:off x="1515756" y="2181505"/>
+            <a:ext cx="953127" cy="500666"/>
+          </a:xfrm>
+          <a:prstGeom prst="roundRect">
+            <a:avLst/>
+          </a:prstGeom>
+          <a:noFill/>
+          <a:ln w="12700">
+            <a:solidFill>
+              <a:schemeClr val="tx1"/>
+            </a:solidFill>
+            <a:prstDash val="solid"/>
+          </a:ln>
+        </p:spPr>
+        <p:style>
+          <a:lnRef idx="2">
+            <a:schemeClr val="accent1">
+              <a:shade val="50000"/>
+            </a:schemeClr>
+          </a:lnRef>
+          <a:fillRef idx="1">
+            <a:schemeClr val="accent1"/>
+          </a:fillRef>
+          <a:effectRef idx="0">
+            <a:schemeClr val="accent1"/>
+          </a:effectRef>
+          <a:fontRef idx="minor">
+            <a:schemeClr val="lt1"/>
+          </a:fontRef>
+        </p:style>
+        <p:txBody>
+          <a:bodyPr rtlCol="0" anchor="ctr"/>
+          <a:lstStyle/>
+          <a:p>
+            <a:pPr algn="ctr"/>
+            <a:r>
+              <a:rPr lang="ja-JP" altLang="en-US" sz="2400">
+                <a:solidFill>
+                  <a:schemeClr val="tx1"/>
+                </a:solidFill>
+                <a:latin typeface="SimSun" panose="02010600030101010101" pitchFamily="2" charset="-122"/>
+                <a:ea typeface="SimSun" panose="02010600030101010101" pitchFamily="2" charset="-122"/>
+              </a:rPr>
+              <a:t>问题</a:t>
+            </a:r>
+            <a:endParaRPr lang="en-US" sz="2400" dirty="0">
+              <a:solidFill>
+                <a:schemeClr val="tx1"/>
+              </a:solidFill>
+              <a:latin typeface="SimSun" panose="02010600030101010101" pitchFamily="2" charset="-122"/>
+              <a:ea typeface="SimSun" panose="02010600030101010101" pitchFamily="2" charset="-122"/>
+            </a:endParaRPr>
+          </a:p>
+        </p:txBody>
+      </p:sp>
+      <p:sp>
+        <p:nvSpPr>
+          <p:cNvPr id="12" name="Snip Single Corner Rectangle 11">
+            <a:extLst>
+              <a:ext uri="{FF2B5EF4-FFF2-40B4-BE49-F238E27FC236}">
+                <a16:creationId xmlns:a16="http://schemas.microsoft.com/office/drawing/2014/main" id="{9B3EFB04-D8EA-4049-9257-D1A1D1F7FB2F}"/>
+              </a:ext>
+            </a:extLst>
+          </p:cNvPr>
+          <p:cNvSpPr/>
+          <p:nvPr/>
+        </p:nvSpPr>
+        <p:spPr>
+          <a:xfrm>
+            <a:off x="5764584" y="1738647"/>
+            <a:ext cx="1721223" cy="631065"/>
+          </a:xfrm>
+          <a:prstGeom prst="snip1Rect">
+            <a:avLst>
+              <a:gd name="adj" fmla="val 50000"/>
+            </a:avLst>
+          </a:prstGeom>
+          <a:solidFill>
+            <a:schemeClr val="accent5">
+              <a:lumMod val="20000"/>
+              <a:lumOff val="80000"/>
+            </a:schemeClr>
+          </a:solidFill>
+          <a:ln w="19050">
+            <a:solidFill>
+              <a:schemeClr val="tx1"/>
+            </a:solidFill>
+            <a:prstDash val="dash"/>
+          </a:ln>
+        </p:spPr>
+        <p:style>
+          <a:lnRef idx="2">
+            <a:schemeClr val="accent1">
+              <a:shade val="50000"/>
+            </a:schemeClr>
+          </a:lnRef>
+          <a:fillRef idx="1">
+            <a:schemeClr val="accent1"/>
+          </a:fillRef>
+          <a:effectRef idx="0">
+            <a:schemeClr val="accent1"/>
+          </a:effectRef>
+          <a:fontRef idx="minor">
+            <a:schemeClr val="lt1"/>
+          </a:fontRef>
+        </p:style>
+        <p:txBody>
+          <a:bodyPr rot="0" spcFirstLastPara="0" vertOverflow="overflow" horzOverflow="overflow" vert="horz" wrap="square" lIns="91440" tIns="45720" rIns="91440" bIns="45720" numCol="1" spcCol="0" rtlCol="0" fromWordArt="0" anchor="ctr" anchorCtr="0" forceAA="0" compatLnSpc="1">
+            <a:prstTxWarp prst="textNoShape">
+              <a:avLst/>
+            </a:prstTxWarp>
+            <a:noAutofit/>
+          </a:bodyPr>
+          <a:lstStyle/>
+          <a:p>
+            <a:pPr algn="ctr"/>
+            <a:endParaRPr lang="en-US" dirty="0">
+              <a:solidFill>
+                <a:schemeClr val="tx1"/>
+              </a:solidFill>
+              <a:latin typeface="SimSun" panose="02010600030101010101" pitchFamily="2" charset="-122"/>
+              <a:ea typeface="SimSun" panose="02010600030101010101" pitchFamily="2" charset="-122"/>
+            </a:endParaRPr>
+          </a:p>
+        </p:txBody>
+      </p:sp>
+      <p:sp>
+        <p:nvSpPr>
+          <p:cNvPr id="14" name="Snip Single Corner Rectangle 13">
+            <a:extLst>
+              <a:ext uri="{FF2B5EF4-FFF2-40B4-BE49-F238E27FC236}">
+                <a16:creationId xmlns:a16="http://schemas.microsoft.com/office/drawing/2014/main" id="{C8636F9D-FB4D-334E-A1DA-5E8819759E7B}"/>
+              </a:ext>
+            </a:extLst>
+          </p:cNvPr>
+          <p:cNvSpPr/>
+          <p:nvPr/>
+        </p:nvSpPr>
+        <p:spPr>
+          <a:xfrm>
+            <a:off x="5850078" y="1920783"/>
+            <a:ext cx="1721223" cy="631065"/>
+          </a:xfrm>
+          <a:prstGeom prst="snip1Rect">
+            <a:avLst>
+              <a:gd name="adj" fmla="val 50000"/>
+            </a:avLst>
+          </a:prstGeom>
+          <a:solidFill>
+            <a:schemeClr val="accent5">
+              <a:lumMod val="20000"/>
+              <a:lumOff val="80000"/>
+            </a:schemeClr>
+          </a:solidFill>
+          <a:ln w="19050">
+            <a:solidFill>
+              <a:schemeClr val="tx1"/>
+            </a:solidFill>
+            <a:prstDash val="dash"/>
+          </a:ln>
+        </p:spPr>
+        <p:style>
+          <a:lnRef idx="2">
+            <a:schemeClr val="accent1">
+              <a:shade val="50000"/>
+            </a:schemeClr>
+          </a:lnRef>
+          <a:fillRef idx="1">
+            <a:schemeClr val="accent1"/>
+          </a:fillRef>
+          <a:effectRef idx="0">
+            <a:schemeClr val="accent1"/>
+          </a:effectRef>
+          <a:fontRef idx="minor">
+            <a:schemeClr val="lt1"/>
+          </a:fontRef>
+        </p:style>
+        <p:txBody>
+          <a:bodyPr rot="0" spcFirstLastPara="0" vertOverflow="overflow" horzOverflow="overflow" vert="horz" wrap="square" lIns="91440" tIns="45720" rIns="91440" bIns="45720" numCol="1" spcCol="0" rtlCol="0" fromWordArt="0" anchor="ctr" anchorCtr="0" forceAA="0" compatLnSpc="1">
+            <a:prstTxWarp prst="textNoShape">
+              <a:avLst/>
+            </a:prstTxWarp>
+            <a:noAutofit/>
+          </a:bodyPr>
+          <a:lstStyle/>
+          <a:p>
+            <a:pPr algn="ctr"/>
+            <a:endParaRPr lang="en-US" dirty="0">
+              <a:solidFill>
+                <a:schemeClr val="tx1"/>
+              </a:solidFill>
+              <a:latin typeface="SimSun" panose="02010600030101010101" pitchFamily="2" charset="-122"/>
+              <a:ea typeface="SimSun" panose="02010600030101010101" pitchFamily="2" charset="-122"/>
+            </a:endParaRPr>
+          </a:p>
+        </p:txBody>
+      </p:sp>
+      <p:sp>
+        <p:nvSpPr>
+          <p:cNvPr id="15" name="Snip Single Corner Rectangle 14">
+            <a:extLst>
+              <a:ext uri="{FF2B5EF4-FFF2-40B4-BE49-F238E27FC236}">
+                <a16:creationId xmlns:a16="http://schemas.microsoft.com/office/drawing/2014/main" id="{59CC1073-1060-5244-961D-E7ADF158FF7B}"/>
+              </a:ext>
+            </a:extLst>
+          </p:cNvPr>
+          <p:cNvSpPr/>
+          <p:nvPr/>
+        </p:nvSpPr>
+        <p:spPr>
+          <a:xfrm>
+            <a:off x="5928138" y="2088051"/>
+            <a:ext cx="1721223" cy="631065"/>
+          </a:xfrm>
+          <a:prstGeom prst="snip1Rect">
+            <a:avLst>
+              <a:gd name="adj" fmla="val 50000"/>
+            </a:avLst>
+          </a:prstGeom>
+          <a:solidFill>
+            <a:schemeClr val="accent5">
+              <a:lumMod val="20000"/>
+              <a:lumOff val="80000"/>
+            </a:schemeClr>
+          </a:solidFill>
+          <a:ln w="19050">
+            <a:solidFill>
+              <a:schemeClr val="tx1"/>
+            </a:solidFill>
+            <a:prstDash val="dash"/>
+          </a:ln>
+        </p:spPr>
+        <p:style>
+          <a:lnRef idx="2">
+            <a:schemeClr val="accent1">
+              <a:shade val="50000"/>
+            </a:schemeClr>
+          </a:lnRef>
+          <a:fillRef idx="1">
+            <a:schemeClr val="accent1"/>
+          </a:fillRef>
+          <a:effectRef idx="0">
+            <a:schemeClr val="accent1"/>
+          </a:effectRef>
+          <a:fontRef idx="minor">
+            <a:schemeClr val="lt1"/>
+          </a:fontRef>
+        </p:style>
+        <p:txBody>
+          <a:bodyPr rot="0" spcFirstLastPara="0" vertOverflow="overflow" horzOverflow="overflow" vert="horz" wrap="square" lIns="91440" tIns="45720" rIns="91440" bIns="45720" numCol="1" spcCol="0" rtlCol="0" fromWordArt="0" anchor="ctr" anchorCtr="0" forceAA="0" compatLnSpc="1">
+            <a:prstTxWarp prst="textNoShape">
+              <a:avLst/>
+            </a:prstTxWarp>
+            <a:noAutofit/>
+          </a:bodyPr>
+          <a:lstStyle/>
+          <a:p>
+            <a:pPr algn="ctr"/>
+            <a:endParaRPr lang="en-US" dirty="0">
+              <a:solidFill>
+                <a:schemeClr val="tx1"/>
+              </a:solidFill>
+              <a:latin typeface="SimSun" panose="02010600030101010101" pitchFamily="2" charset="-122"/>
+              <a:ea typeface="SimSun" panose="02010600030101010101" pitchFamily="2" charset="-122"/>
+            </a:endParaRPr>
+          </a:p>
+        </p:txBody>
+      </p:sp>
+      <p:sp>
+        <p:nvSpPr>
+          <p:cNvPr id="16" name="Snip Single Corner Rectangle 15">
+            <a:extLst>
+              <a:ext uri="{FF2B5EF4-FFF2-40B4-BE49-F238E27FC236}">
+                <a16:creationId xmlns:a16="http://schemas.microsoft.com/office/drawing/2014/main" id="{3511A6BB-5019-7D4E-B2EF-92224A10D128}"/>
+              </a:ext>
+            </a:extLst>
+          </p:cNvPr>
+          <p:cNvSpPr/>
+          <p:nvPr/>
+        </p:nvSpPr>
+        <p:spPr>
+          <a:xfrm>
+            <a:off x="6013632" y="2262753"/>
+            <a:ext cx="1721223" cy="631065"/>
+          </a:xfrm>
+          <a:prstGeom prst="snip1Rect">
+            <a:avLst>
+              <a:gd name="adj" fmla="val 50000"/>
+            </a:avLst>
+          </a:prstGeom>
+          <a:solidFill>
+            <a:schemeClr val="accent5">
+              <a:lumMod val="20000"/>
+              <a:lumOff val="80000"/>
+            </a:schemeClr>
+          </a:solidFill>
+          <a:ln w="19050">
+            <a:solidFill>
+              <a:schemeClr val="tx1"/>
+            </a:solidFill>
+            <a:prstDash val="dash"/>
+          </a:ln>
+        </p:spPr>
+        <p:style>
+          <a:lnRef idx="2">
+            <a:schemeClr val="accent1">
+              <a:shade val="50000"/>
+            </a:schemeClr>
+          </a:lnRef>
+          <a:fillRef idx="1">
+            <a:schemeClr val="accent1"/>
+          </a:fillRef>
+          <a:effectRef idx="0">
+            <a:schemeClr val="accent1"/>
+          </a:effectRef>
+          <a:fontRef idx="minor">
+            <a:schemeClr val="lt1"/>
+          </a:fontRef>
+        </p:style>
+        <p:txBody>
+          <a:bodyPr rot="0" spcFirstLastPara="0" vertOverflow="overflow" horzOverflow="overflow" vert="horz" wrap="square" lIns="91440" tIns="45720" rIns="91440" bIns="45720" numCol="1" spcCol="0" rtlCol="0" fromWordArt="0" anchor="ctr" anchorCtr="0" forceAA="0" compatLnSpc="1">
+            <a:prstTxWarp prst="textNoShape">
+              <a:avLst/>
+            </a:prstTxWarp>
+            <a:noAutofit/>
+          </a:bodyPr>
+          <a:lstStyle/>
+          <a:p>
+            <a:pPr algn="ctr"/>
+            <a:endParaRPr lang="en-US" dirty="0">
+              <a:solidFill>
+                <a:schemeClr val="tx1"/>
+              </a:solidFill>
+              <a:latin typeface="SimSun" panose="02010600030101010101" pitchFamily="2" charset="-122"/>
+              <a:ea typeface="SimSun" panose="02010600030101010101" pitchFamily="2" charset="-122"/>
+            </a:endParaRPr>
+          </a:p>
+        </p:txBody>
+      </p:sp>
+      <p:sp>
+        <p:nvSpPr>
+          <p:cNvPr id="17" name="Snip Single Corner Rectangle 16">
+            <a:extLst>
+              <a:ext uri="{FF2B5EF4-FFF2-40B4-BE49-F238E27FC236}">
+                <a16:creationId xmlns:a16="http://schemas.microsoft.com/office/drawing/2014/main" id="{19783335-E633-4948-A395-9DF5CB4AB098}"/>
+              </a:ext>
+            </a:extLst>
+          </p:cNvPr>
+          <p:cNvSpPr/>
+          <p:nvPr/>
+        </p:nvSpPr>
+        <p:spPr>
+          <a:xfrm>
+            <a:off x="6099126" y="2431838"/>
+            <a:ext cx="1721223" cy="631065"/>
+          </a:xfrm>
+          <a:prstGeom prst="snip1Rect">
+            <a:avLst>
+              <a:gd name="adj" fmla="val 50000"/>
+            </a:avLst>
+          </a:prstGeom>
+          <a:solidFill>
+            <a:schemeClr val="accent5">
+              <a:lumMod val="20000"/>
+              <a:lumOff val="80000"/>
+            </a:schemeClr>
+          </a:solidFill>
+          <a:ln w="19050">
+            <a:solidFill>
+              <a:schemeClr val="tx1"/>
+            </a:solidFill>
+            <a:prstDash val="dash"/>
+          </a:ln>
+        </p:spPr>
+        <p:style>
+          <a:lnRef idx="2">
+            <a:schemeClr val="accent1">
+              <a:shade val="50000"/>
+            </a:schemeClr>
+          </a:lnRef>
+          <a:fillRef idx="1">
+            <a:schemeClr val="accent1"/>
+          </a:fillRef>
+          <a:effectRef idx="0">
+            <a:schemeClr val="accent1"/>
+          </a:effectRef>
+          <a:fontRef idx="minor">
+            <a:schemeClr val="lt1"/>
+          </a:fontRef>
+        </p:style>
+        <p:txBody>
+          <a:bodyPr rot="0" spcFirstLastPara="0" vertOverflow="overflow" horzOverflow="overflow" vert="horz" wrap="square" lIns="91440" tIns="45720" rIns="91440" bIns="45720" numCol="1" spcCol="0" rtlCol="0" fromWordArt="0" anchor="ctr" anchorCtr="0" forceAA="0" compatLnSpc="1">
+            <a:prstTxWarp prst="textNoShape">
+              <a:avLst/>
+            </a:prstTxWarp>
+            <a:noAutofit/>
+          </a:bodyPr>
+          <a:lstStyle/>
+          <a:p>
+            <a:pPr algn="ctr"/>
+            <a:r>
+              <a:rPr lang="ja-JP" altLang="en-US" sz="2400">
+                <a:solidFill>
+                  <a:schemeClr val="tx1"/>
+                </a:solidFill>
+                <a:latin typeface="SimSun" panose="02010600030101010101" pitchFamily="2" charset="-122"/>
+                <a:ea typeface="SimSun" panose="02010600030101010101" pitchFamily="2" charset="-122"/>
+              </a:rPr>
+              <a:t>相关文档</a:t>
+            </a:r>
+            <a:endParaRPr lang="en-US" sz="2400" dirty="0">
+              <a:solidFill>
+                <a:schemeClr val="tx1"/>
+              </a:solidFill>
+              <a:latin typeface="SimSun" panose="02010600030101010101" pitchFamily="2" charset="-122"/>
+              <a:ea typeface="SimSun" panose="02010600030101010101" pitchFamily="2" charset="-122"/>
+            </a:endParaRPr>
+          </a:p>
+        </p:txBody>
+      </p:sp>
+      <p:sp>
+        <p:nvSpPr>
+          <p:cNvPr id="18" name="TextBox 17">
+            <a:extLst>
+              <a:ext uri="{FF2B5EF4-FFF2-40B4-BE49-F238E27FC236}">
+                <a16:creationId xmlns:a16="http://schemas.microsoft.com/office/drawing/2014/main" id="{FF167C13-AF36-7E45-8D02-82279B38BBBB}"/>
+              </a:ext>
+            </a:extLst>
+          </p:cNvPr>
+          <p:cNvSpPr txBox="1"/>
+          <p:nvPr/>
+        </p:nvSpPr>
+        <p:spPr>
+          <a:xfrm>
+            <a:off x="3668684" y="1429181"/>
+            <a:ext cx="1415772" cy="461665"/>
+          </a:xfrm>
+          <a:prstGeom prst="rect">
+            <a:avLst/>
+          </a:prstGeom>
+          <a:noFill/>
+        </p:spPr>
+        <p:txBody>
+          <a:bodyPr wrap="none" rtlCol="0">
+            <a:spAutoFit/>
+          </a:bodyPr>
+          <a:lstStyle/>
+          <a:p>
+            <a:r>
+              <a:rPr lang="ja-JP" altLang="en-US" sz="2400">
+                <a:latin typeface="SimSun" panose="02010600030101010101" pitchFamily="2" charset="-122"/>
+                <a:ea typeface="SimSun" panose="02010600030101010101" pitchFamily="2" charset="-122"/>
+              </a:rPr>
+              <a:t>搜索引擎</a:t>
+            </a:r>
+            <a:endParaRPr lang="en-US" sz="2400" dirty="0">
+              <a:latin typeface="SimSun" panose="02010600030101010101" pitchFamily="2" charset="-122"/>
+              <a:ea typeface="SimSun" panose="02010600030101010101" pitchFamily="2" charset="-122"/>
+            </a:endParaRPr>
+          </a:p>
+        </p:txBody>
+      </p:sp>
+      <p:cxnSp>
+        <p:nvCxnSpPr>
+          <p:cNvPr id="20" name="Straight Arrow Connector 19">
+            <a:extLst>
+              <a:ext uri="{FF2B5EF4-FFF2-40B4-BE49-F238E27FC236}">
+                <a16:creationId xmlns:a16="http://schemas.microsoft.com/office/drawing/2014/main" id="{ED06989C-3E27-4C4B-BBB9-A463C615A8ED}"/>
+              </a:ext>
+            </a:extLst>
+          </p:cNvPr>
+          <p:cNvCxnSpPr>
+            <a:cxnSpLocks/>
+          </p:cNvCxnSpPr>
+          <p:nvPr/>
+        </p:nvCxnSpPr>
+        <p:spPr>
+          <a:xfrm>
+            <a:off x="4399080" y="2442864"/>
+            <a:ext cx="1318968" cy="0"/>
+          </a:xfrm>
+          <a:prstGeom prst="straightConnector1">
+            <a:avLst/>
+          </a:prstGeom>
+          <a:ln w="19050">
+            <a:solidFill>
+              <a:schemeClr val="tx1"/>
+            </a:solidFill>
+            <a:tailEnd type="triangle"/>
+          </a:ln>
+        </p:spPr>
+        <p:style>
+          <a:lnRef idx="1">
+            <a:schemeClr val="accent1"/>
+          </a:lnRef>
+          <a:fillRef idx="0">
+            <a:schemeClr val="accent1"/>
+          </a:fillRef>
+          <a:effectRef idx="0">
+            <a:schemeClr val="accent1"/>
+          </a:effectRef>
+          <a:fontRef idx="minor">
+            <a:schemeClr val="tx1"/>
+          </a:fontRef>
+        </p:style>
+      </p:cxnSp>
+      <p:sp>
+        <p:nvSpPr>
+          <p:cNvPr id="22" name="TextBox 21">
+            <a:extLst>
+              <a:ext uri="{FF2B5EF4-FFF2-40B4-BE49-F238E27FC236}">
+                <a16:creationId xmlns:a16="http://schemas.microsoft.com/office/drawing/2014/main" id="{050B722B-8325-CD41-A5A1-55817FC9D7EA}"/>
+              </a:ext>
+            </a:extLst>
+          </p:cNvPr>
+          <p:cNvSpPr txBox="1"/>
+          <p:nvPr/>
+        </p:nvSpPr>
+        <p:spPr>
+          <a:xfrm>
+            <a:off x="4682475" y="2034251"/>
+            <a:ext cx="697627" cy="400110"/>
+          </a:xfrm>
+          <a:prstGeom prst="rect">
+            <a:avLst/>
+          </a:prstGeom>
+          <a:noFill/>
+        </p:spPr>
+        <p:txBody>
+          <a:bodyPr wrap="none" rtlCol="0">
+            <a:spAutoFit/>
+          </a:bodyPr>
+          <a:lstStyle/>
+          <a:p>
+            <a:r>
+              <a:rPr lang="ja-JP" altLang="en-US" sz="2000">
+                <a:latin typeface="SimSun" panose="02010600030101010101" pitchFamily="2" charset="-122"/>
+                <a:ea typeface="SimSun" panose="02010600030101010101" pitchFamily="2" charset="-122"/>
+              </a:rPr>
+              <a:t>检索</a:t>
+            </a:r>
+            <a:endParaRPr lang="en-US" sz="2000" dirty="0">
+              <a:latin typeface="SimSun" panose="02010600030101010101" pitchFamily="2" charset="-122"/>
+              <a:ea typeface="SimSun" panose="02010600030101010101" pitchFamily="2" charset="-122"/>
+            </a:endParaRPr>
+          </a:p>
+        </p:txBody>
+      </p:sp>
+      <p:cxnSp>
+        <p:nvCxnSpPr>
+          <p:cNvPr id="23" name="Straight Arrow Connector 22">
+            <a:extLst>
+              <a:ext uri="{FF2B5EF4-FFF2-40B4-BE49-F238E27FC236}">
+                <a16:creationId xmlns:a16="http://schemas.microsoft.com/office/drawing/2014/main" id="{F9DA1133-0521-3144-9BE6-5AA3007C51E0}"/>
+              </a:ext>
+            </a:extLst>
+          </p:cNvPr>
+          <p:cNvCxnSpPr>
+            <a:cxnSpLocks/>
+          </p:cNvCxnSpPr>
+          <p:nvPr/>
+        </p:nvCxnSpPr>
+        <p:spPr>
+          <a:xfrm>
+            <a:off x="7719141" y="2468448"/>
+            <a:ext cx="1333264" cy="0"/>
+          </a:xfrm>
+          <a:prstGeom prst="straightConnector1">
+            <a:avLst/>
+          </a:prstGeom>
+          <a:ln w="19050">
+            <a:solidFill>
+              <a:schemeClr val="tx1"/>
+            </a:solidFill>
+            <a:tailEnd type="triangle"/>
+          </a:ln>
+        </p:spPr>
+        <p:style>
+          <a:lnRef idx="1">
+            <a:schemeClr val="accent1"/>
+          </a:lnRef>
+          <a:fillRef idx="0">
+            <a:schemeClr val="accent1"/>
+          </a:fillRef>
+          <a:effectRef idx="0">
+            <a:schemeClr val="accent1"/>
+          </a:effectRef>
+          <a:fontRef idx="minor">
+            <a:schemeClr val="tx1"/>
+          </a:fontRef>
+        </p:style>
+      </p:cxnSp>
+      <p:sp>
+        <p:nvSpPr>
+          <p:cNvPr id="26" name="Rounded Rectangle 25">
+            <a:extLst>
+              <a:ext uri="{FF2B5EF4-FFF2-40B4-BE49-F238E27FC236}">
+                <a16:creationId xmlns:a16="http://schemas.microsoft.com/office/drawing/2014/main" id="{41F5CEB5-E2A2-7640-B118-4F952E97A76A}"/>
+              </a:ext>
+            </a:extLst>
+          </p:cNvPr>
+          <p:cNvSpPr/>
+          <p:nvPr/>
+        </p:nvSpPr>
+        <p:spPr>
+          <a:xfrm>
+            <a:off x="9222169" y="2169244"/>
+            <a:ext cx="953127" cy="500666"/>
+          </a:xfrm>
+          <a:prstGeom prst="roundRect">
+            <a:avLst/>
+          </a:prstGeom>
+          <a:noFill/>
+          <a:ln w="12700">
+            <a:solidFill>
+              <a:schemeClr val="tx1"/>
+            </a:solidFill>
+            <a:prstDash val="solid"/>
+          </a:ln>
+        </p:spPr>
+        <p:style>
+          <a:lnRef idx="2">
+            <a:schemeClr val="accent1">
+              <a:shade val="50000"/>
+            </a:schemeClr>
+          </a:lnRef>
+          <a:fillRef idx="1">
+            <a:schemeClr val="accent1"/>
+          </a:fillRef>
+          <a:effectRef idx="0">
+            <a:schemeClr val="accent1"/>
+          </a:effectRef>
+          <a:fontRef idx="minor">
+            <a:schemeClr val="lt1"/>
+          </a:fontRef>
+        </p:style>
+        <p:txBody>
+          <a:bodyPr rtlCol="0" anchor="ctr"/>
+          <a:lstStyle/>
+          <a:p>
+            <a:pPr algn="ctr"/>
+            <a:r>
+              <a:rPr lang="ja-JP" altLang="en-US" sz="2400">
+                <a:solidFill>
+                  <a:schemeClr val="tx1"/>
+                </a:solidFill>
+                <a:latin typeface="SimSun" panose="02010600030101010101" pitchFamily="2" charset="-122"/>
+                <a:ea typeface="SimSun" panose="02010600030101010101" pitchFamily="2" charset="-122"/>
+              </a:rPr>
+              <a:t>答案</a:t>
+            </a:r>
+            <a:endParaRPr lang="en-US" sz="2400" dirty="0">
+              <a:solidFill>
+                <a:schemeClr val="tx1"/>
+              </a:solidFill>
+              <a:latin typeface="SimSun" panose="02010600030101010101" pitchFamily="2" charset="-122"/>
+              <a:ea typeface="SimSun" panose="02010600030101010101" pitchFamily="2" charset="-122"/>
+            </a:endParaRPr>
+          </a:p>
+        </p:txBody>
+      </p:sp>
+      <p:cxnSp>
+        <p:nvCxnSpPr>
+          <p:cNvPr id="27" name="Straight Arrow Connector 26">
+            <a:extLst>
+              <a:ext uri="{FF2B5EF4-FFF2-40B4-BE49-F238E27FC236}">
+                <a16:creationId xmlns:a16="http://schemas.microsoft.com/office/drawing/2014/main" id="{0A8A4173-BF09-5140-B150-0D4CE46CE803}"/>
+              </a:ext>
+            </a:extLst>
+          </p:cNvPr>
+          <p:cNvCxnSpPr>
+            <a:cxnSpLocks/>
+          </p:cNvCxnSpPr>
+          <p:nvPr/>
+        </p:nvCxnSpPr>
+        <p:spPr>
+          <a:xfrm>
+            <a:off x="2493267" y="2453424"/>
+            <a:ext cx="810766" cy="0"/>
+          </a:xfrm>
+          <a:prstGeom prst="straightConnector1">
+            <a:avLst/>
+          </a:prstGeom>
+          <a:ln w="19050">
+            <a:solidFill>
+              <a:schemeClr val="tx1"/>
+            </a:solidFill>
+            <a:tailEnd type="triangle"/>
+          </a:ln>
+        </p:spPr>
+        <p:style>
+          <a:lnRef idx="1">
+            <a:schemeClr val="accent1"/>
+          </a:lnRef>
+          <a:fillRef idx="0">
+            <a:schemeClr val="accent1"/>
+          </a:fillRef>
+          <a:effectRef idx="0">
+            <a:schemeClr val="accent1"/>
+          </a:effectRef>
+          <a:fontRef idx="minor">
+            <a:schemeClr val="tx1"/>
+          </a:fontRef>
+        </p:style>
+      </p:cxnSp>
+      <p:sp>
+        <p:nvSpPr>
+          <p:cNvPr id="32" name="TextBox 31">
+            <a:extLst>
+              <a:ext uri="{FF2B5EF4-FFF2-40B4-BE49-F238E27FC236}">
+                <a16:creationId xmlns:a16="http://schemas.microsoft.com/office/drawing/2014/main" id="{307C9141-976E-7E44-BC63-7F903E61829F}"/>
+              </a:ext>
+            </a:extLst>
+          </p:cNvPr>
+          <p:cNvSpPr txBox="1"/>
+          <p:nvPr/>
+        </p:nvSpPr>
+        <p:spPr>
+          <a:xfrm>
+            <a:off x="7485807" y="1364137"/>
+            <a:ext cx="800219" cy="461665"/>
+          </a:xfrm>
+          <a:prstGeom prst="rect">
+            <a:avLst/>
+          </a:prstGeom>
+          <a:noFill/>
+        </p:spPr>
+        <p:txBody>
+          <a:bodyPr wrap="none" rtlCol="0">
+            <a:spAutoFit/>
+          </a:bodyPr>
+          <a:lstStyle/>
+          <a:p>
+            <a:r>
+              <a:rPr lang="ja-JP" altLang="en-US" sz="2400">
+                <a:latin typeface="SimSun" panose="02010600030101010101" pitchFamily="2" charset="-122"/>
+                <a:ea typeface="SimSun" panose="02010600030101010101" pitchFamily="2" charset="-122"/>
+              </a:rPr>
+              <a:t>用户</a:t>
+            </a:r>
+            <a:endParaRPr lang="en-US" sz="2400" dirty="0">
+              <a:latin typeface="SimSun" panose="02010600030101010101" pitchFamily="2" charset="-122"/>
+              <a:ea typeface="SimSun" panose="02010600030101010101" pitchFamily="2" charset="-122"/>
+            </a:endParaRPr>
+          </a:p>
+        </p:txBody>
+      </p:sp>
+      <p:sp>
+        <p:nvSpPr>
+          <p:cNvPr id="33" name="TextBox 32">
+            <a:extLst>
+              <a:ext uri="{FF2B5EF4-FFF2-40B4-BE49-F238E27FC236}">
+                <a16:creationId xmlns:a16="http://schemas.microsoft.com/office/drawing/2014/main" id="{048F9644-796D-3043-8BD4-132168F8F712}"/>
+              </a:ext>
+            </a:extLst>
+          </p:cNvPr>
+          <p:cNvSpPr txBox="1"/>
+          <p:nvPr/>
+        </p:nvSpPr>
+        <p:spPr>
+          <a:xfrm>
+            <a:off x="8129698" y="2463871"/>
+            <a:ext cx="697627" cy="707886"/>
+          </a:xfrm>
+          <a:prstGeom prst="rect">
+            <a:avLst/>
+          </a:prstGeom>
+          <a:noFill/>
+        </p:spPr>
+        <p:txBody>
+          <a:bodyPr wrap="none" rtlCol="0">
+            <a:spAutoFit/>
+          </a:bodyPr>
+          <a:lstStyle/>
+          <a:p>
+            <a:r>
+              <a:rPr lang="ja-JP" altLang="en-US" sz="2000">
+                <a:latin typeface="SimSun" panose="02010600030101010101" pitchFamily="2" charset="-122"/>
+                <a:ea typeface="SimSun" panose="02010600030101010101" pitchFamily="2" charset="-122"/>
+              </a:rPr>
+              <a:t>推断</a:t>
+            </a:r>
+            <a:endParaRPr lang="en-US" altLang="zh-CN" sz="2000" dirty="0">
+              <a:latin typeface="SimSun" panose="02010600030101010101" pitchFamily="2" charset="-122"/>
+              <a:ea typeface="SimSun" panose="02010600030101010101" pitchFamily="2" charset="-122"/>
+            </a:endParaRPr>
+          </a:p>
+          <a:p>
+            <a:r>
+              <a:rPr lang="ja-JP" altLang="en-US" sz="2000">
+                <a:latin typeface="SimSun" panose="02010600030101010101" pitchFamily="2" charset="-122"/>
+                <a:ea typeface="SimSun" panose="02010600030101010101" pitchFamily="2" charset="-122"/>
+              </a:rPr>
+              <a:t>总结</a:t>
+            </a:r>
+            <a:endParaRPr lang="en-US" sz="2000" dirty="0">
+              <a:latin typeface="SimSun" panose="02010600030101010101" pitchFamily="2" charset="-122"/>
+              <a:ea typeface="SimSun" panose="02010600030101010101" pitchFamily="2" charset="-122"/>
+            </a:endParaRPr>
+          </a:p>
+        </p:txBody>
+      </p:sp>
+      <p:sp>
+        <p:nvSpPr>
+          <p:cNvPr id="50" name="TextBox 49">
+            <a:extLst>
+              <a:ext uri="{FF2B5EF4-FFF2-40B4-BE49-F238E27FC236}">
+                <a16:creationId xmlns:a16="http://schemas.microsoft.com/office/drawing/2014/main" id="{1DDB8B26-ADF2-D447-BA01-80D72E5B3084}"/>
+              </a:ext>
+            </a:extLst>
+          </p:cNvPr>
+          <p:cNvSpPr txBox="1"/>
+          <p:nvPr/>
+        </p:nvSpPr>
+        <p:spPr>
+          <a:xfrm>
+            <a:off x="2585394" y="2034251"/>
+            <a:ext cx="697627" cy="400110"/>
+          </a:xfrm>
+          <a:prstGeom prst="rect">
+            <a:avLst/>
+          </a:prstGeom>
+          <a:noFill/>
+        </p:spPr>
+        <p:txBody>
+          <a:bodyPr wrap="none" rtlCol="0">
+            <a:spAutoFit/>
+          </a:bodyPr>
+          <a:lstStyle/>
+          <a:p>
+            <a:r>
+              <a:rPr lang="ja-JP" altLang="en-US" sz="2000">
+                <a:latin typeface="SimSun" panose="02010600030101010101" pitchFamily="2" charset="-122"/>
+                <a:ea typeface="SimSun" panose="02010600030101010101" pitchFamily="2" charset="-122"/>
+              </a:rPr>
+              <a:t>输入</a:t>
+            </a:r>
+            <a:endParaRPr lang="en-US" sz="2000" dirty="0">
+              <a:latin typeface="SimSun" panose="02010600030101010101" pitchFamily="2" charset="-122"/>
+              <a:ea typeface="SimSun" panose="02010600030101010101" pitchFamily="2" charset="-122"/>
+            </a:endParaRPr>
+          </a:p>
+        </p:txBody>
+      </p:sp>
+      <p:sp>
+        <p:nvSpPr>
+          <p:cNvPr id="52" name="TextBox 51">
+            <a:extLst>
+              <a:ext uri="{FF2B5EF4-FFF2-40B4-BE49-F238E27FC236}">
+                <a16:creationId xmlns:a16="http://schemas.microsoft.com/office/drawing/2014/main" id="{8CAA8DBF-C087-F84A-BE38-FFB8D1AE8E25}"/>
+              </a:ext>
+            </a:extLst>
+          </p:cNvPr>
+          <p:cNvSpPr txBox="1"/>
+          <p:nvPr/>
+        </p:nvSpPr>
+        <p:spPr>
+          <a:xfrm>
+            <a:off x="8129698" y="2069442"/>
+            <a:ext cx="697627" cy="400110"/>
+          </a:xfrm>
+          <a:prstGeom prst="rect">
+            <a:avLst/>
+          </a:prstGeom>
+          <a:noFill/>
+        </p:spPr>
+        <p:txBody>
+          <a:bodyPr wrap="none" rtlCol="0">
+            <a:spAutoFit/>
+          </a:bodyPr>
+          <a:lstStyle/>
+          <a:p>
+            <a:r>
+              <a:rPr lang="ja-JP" altLang="en-US" sz="2000">
+                <a:latin typeface="SimSun" panose="02010600030101010101" pitchFamily="2" charset="-122"/>
+                <a:ea typeface="SimSun" panose="02010600030101010101" pitchFamily="2" charset="-122"/>
+              </a:rPr>
+              <a:t>理解</a:t>
+            </a:r>
+            <a:endParaRPr lang="en-US" altLang="ja-JP" sz="2000" dirty="0">
+              <a:latin typeface="SimSun" panose="02010600030101010101" pitchFamily="2" charset="-122"/>
+              <a:ea typeface="SimSun" panose="02010600030101010101" pitchFamily="2" charset="-122"/>
+            </a:endParaRPr>
+          </a:p>
+        </p:txBody>
+      </p:sp>
+      <p:sp>
+        <p:nvSpPr>
+          <p:cNvPr id="53" name="Rounded Rectangle 52">
+            <a:extLst>
+              <a:ext uri="{FF2B5EF4-FFF2-40B4-BE49-F238E27FC236}">
+                <a16:creationId xmlns:a16="http://schemas.microsoft.com/office/drawing/2014/main" id="{E6B2D7C4-9CBF-1C42-AB50-0B604AE2F834}"/>
+              </a:ext>
+            </a:extLst>
+          </p:cNvPr>
+          <p:cNvSpPr/>
+          <p:nvPr/>
+        </p:nvSpPr>
+        <p:spPr>
+          <a:xfrm>
+            <a:off x="3346549" y="3929210"/>
+            <a:ext cx="5705856" cy="2125654"/>
+          </a:xfrm>
+          <a:prstGeom prst="roundRect">
+            <a:avLst/>
+          </a:prstGeom>
+          <a:solidFill>
+            <a:schemeClr val="accent3">
+              <a:lumMod val="20000"/>
+              <a:lumOff val="80000"/>
+            </a:schemeClr>
+          </a:solidFill>
+          <a:ln w="19050">
+            <a:solidFill>
+              <a:schemeClr val="tx1"/>
+            </a:solidFill>
+            <a:prstDash val="dash"/>
+          </a:ln>
+        </p:spPr>
+        <p:style>
+          <a:lnRef idx="2">
+            <a:schemeClr val="accent1">
+              <a:shade val="50000"/>
+            </a:schemeClr>
+          </a:lnRef>
+          <a:fillRef idx="1">
+            <a:schemeClr val="accent1"/>
+          </a:fillRef>
+          <a:effectRef idx="0">
+            <a:schemeClr val="accent1"/>
+          </a:effectRef>
+          <a:fontRef idx="minor">
+            <a:schemeClr val="lt1"/>
+          </a:fontRef>
+        </p:style>
+        <p:txBody>
+          <a:bodyPr rtlCol="0" anchor="ctr"/>
+          <a:lstStyle/>
+          <a:p>
+            <a:pPr algn="ctr"/>
+            <a:endParaRPr lang="en-US">
+              <a:solidFill>
+                <a:schemeClr val="tx1"/>
+              </a:solidFill>
+              <a:latin typeface="SimSun" panose="02010600030101010101" pitchFamily="2" charset="-122"/>
+              <a:ea typeface="SimSun" panose="02010600030101010101" pitchFamily="2" charset="-122"/>
+            </a:endParaRPr>
+          </a:p>
+        </p:txBody>
+      </p:sp>
+      <p:pic>
+        <p:nvPicPr>
+          <p:cNvPr id="54" name="Picture 53">
+            <a:extLst>
+              <a:ext uri="{FF2B5EF4-FFF2-40B4-BE49-F238E27FC236}">
+                <a16:creationId xmlns:a16="http://schemas.microsoft.com/office/drawing/2014/main" id="{34EF2C09-45F3-734D-BADB-F19C1519DF91}"/>
+              </a:ext>
+            </a:extLst>
+          </p:cNvPr>
+          <p:cNvPicPr>
+            <a:picLocks noChangeAspect="1"/>
+          </p:cNvPicPr>
+          <p:nvPr/>
+        </p:nvPicPr>
+        <p:blipFill>
+          <a:blip r:embed="rId2">
+            <a:extLst>
+              <a:ext uri="{BEBA8EAE-BF5A-486C-A8C5-ECC9F3942E4B}">
+                <a14:imgProps xmlns:a14="http://schemas.microsoft.com/office/drawing/2010/main">
+                  <a14:imgLayer r:embed="rId4">
+                    <a14:imgEffect>
+                      <a14:backgroundRemoval t="7611" b="89958" l="9964" r="92572">
+                        <a14:foregroundMark x1="18207" y1="19133" x2="18207" y2="19133"/>
+                        <a14:foregroundMark x1="53623" y1="49154" x2="53623" y2="49154"/>
+                        <a14:foregroundMark x1="66304" y1="51691" x2="66304" y2="51691"/>
+                        <a14:foregroundMark x1="79076" y1="74947" x2="74185" y2="77378"/>
+                        <a14:foregroundMark x1="92301" y1="86575" x2="92301" y2="86575"/>
+                        <a14:foregroundMark x1="64764" y1="50846" x2="68207" y2="51057"/>
+                        <a14:foregroundMark x1="75181" y1="42495" x2="77627" y2="43763"/>
+                        <a14:foregroundMark x1="83243" y1="54123" x2="84330" y2="58879"/>
+                        <a14:foregroundMark x1="78442" y1="80867" x2="81793" y2="83510"/>
+                        <a14:foregroundMark x1="84330" y1="72833" x2="89583" y2="78330"/>
+                        <a14:foregroundMark x1="92663" y1="84038" x2="91033" y2="89218"/>
+                        <a14:foregroundMark x1="42844" y1="41438" x2="42844" y2="43129"/>
+                        <a14:foregroundMark x1="55797" y1="80233" x2="55254" y2="81078"/>
+                        <a14:foregroundMark x1="43931" y1="7611" x2="41938" y2="7611"/>
+                      </a14:backgroundRemoval>
+                    </a14:imgEffect>
+                  </a14:imgLayer>
+                </a14:imgProps>
+              </a:ext>
+            </a:extLst>
+          </a:blip>
+          <a:stretch>
+            <a:fillRect/>
+          </a:stretch>
+        </p:blipFill>
+        <p:spPr>
+          <a:xfrm>
+            <a:off x="3475292" y="4946650"/>
+            <a:ext cx="993338" cy="851175"/>
+          </a:xfrm>
+          <a:prstGeom prst="rect">
+            <a:avLst/>
+          </a:prstGeom>
+        </p:spPr>
+      </p:pic>
+      <p:sp>
+        <p:nvSpPr>
+          <p:cNvPr id="55" name="Rounded Rectangle 54">
+            <a:extLst>
+              <a:ext uri="{FF2B5EF4-FFF2-40B4-BE49-F238E27FC236}">
+                <a16:creationId xmlns:a16="http://schemas.microsoft.com/office/drawing/2014/main" id="{CEF41550-52A3-6045-81CF-9ED8851D62B7}"/>
+              </a:ext>
+            </a:extLst>
+          </p:cNvPr>
+          <p:cNvSpPr/>
+          <p:nvPr/>
+        </p:nvSpPr>
+        <p:spPr>
+          <a:xfrm>
+            <a:off x="1509505" y="4955287"/>
+            <a:ext cx="953127" cy="500666"/>
+          </a:xfrm>
+          <a:prstGeom prst="roundRect">
+            <a:avLst/>
+          </a:prstGeom>
+          <a:noFill/>
+          <a:ln w="12700">
+            <a:solidFill>
+              <a:schemeClr val="tx1"/>
+            </a:solidFill>
+            <a:prstDash val="solid"/>
+          </a:ln>
+        </p:spPr>
+        <p:style>
+          <a:lnRef idx="2">
+            <a:schemeClr val="accent1">
+              <a:shade val="50000"/>
+            </a:schemeClr>
+          </a:lnRef>
+          <a:fillRef idx="1">
+            <a:schemeClr val="accent1"/>
+          </a:fillRef>
+          <a:effectRef idx="0">
+            <a:schemeClr val="accent1"/>
+          </a:effectRef>
+          <a:fontRef idx="minor">
+            <a:schemeClr val="lt1"/>
+          </a:fontRef>
+        </p:style>
+        <p:txBody>
+          <a:bodyPr rtlCol="0" anchor="ctr"/>
+          <a:lstStyle/>
+          <a:p>
+            <a:pPr algn="ctr"/>
+            <a:r>
+              <a:rPr lang="ja-JP" altLang="en-US" sz="2400">
+                <a:solidFill>
+                  <a:schemeClr val="tx1"/>
+                </a:solidFill>
+                <a:latin typeface="SimSun" panose="02010600030101010101" pitchFamily="2" charset="-122"/>
+                <a:ea typeface="SimSun" panose="02010600030101010101" pitchFamily="2" charset="-122"/>
+              </a:rPr>
+              <a:t>问题</a:t>
+            </a:r>
+            <a:endParaRPr lang="en-US" sz="2400" dirty="0">
+              <a:solidFill>
+                <a:schemeClr val="tx1"/>
+              </a:solidFill>
+              <a:latin typeface="SimSun" panose="02010600030101010101" pitchFamily="2" charset="-122"/>
+              <a:ea typeface="SimSun" panose="02010600030101010101" pitchFamily="2" charset="-122"/>
+            </a:endParaRPr>
+          </a:p>
+        </p:txBody>
+      </p:sp>
+      <p:sp>
+        <p:nvSpPr>
+          <p:cNvPr id="56" name="Snip Single Corner Rectangle 55">
+            <a:extLst>
+              <a:ext uri="{FF2B5EF4-FFF2-40B4-BE49-F238E27FC236}">
+                <a16:creationId xmlns:a16="http://schemas.microsoft.com/office/drawing/2014/main" id="{87FF1BB1-EEFB-9A46-9DAF-A7F6815802F0}"/>
+              </a:ext>
+            </a:extLst>
+          </p:cNvPr>
+          <p:cNvSpPr/>
+          <p:nvPr/>
+        </p:nvSpPr>
+        <p:spPr>
+          <a:xfrm>
+            <a:off x="5758333" y="4512429"/>
+            <a:ext cx="1721223" cy="631065"/>
+          </a:xfrm>
+          <a:prstGeom prst="snip1Rect">
+            <a:avLst>
+              <a:gd name="adj" fmla="val 50000"/>
+            </a:avLst>
+          </a:prstGeom>
+          <a:solidFill>
+            <a:schemeClr val="accent5">
+              <a:lumMod val="20000"/>
+              <a:lumOff val="80000"/>
+            </a:schemeClr>
+          </a:solidFill>
+          <a:ln w="19050">
+            <a:solidFill>
+              <a:schemeClr val="tx1"/>
+            </a:solidFill>
+            <a:prstDash val="dash"/>
+          </a:ln>
+        </p:spPr>
+        <p:style>
+          <a:lnRef idx="2">
+            <a:schemeClr val="accent1">
+              <a:shade val="50000"/>
+            </a:schemeClr>
+          </a:lnRef>
+          <a:fillRef idx="1">
+            <a:schemeClr val="accent1"/>
+          </a:fillRef>
+          <a:effectRef idx="0">
+            <a:schemeClr val="accent1"/>
+          </a:effectRef>
+          <a:fontRef idx="minor">
+            <a:schemeClr val="lt1"/>
+          </a:fontRef>
+        </p:style>
+        <p:txBody>
+          <a:bodyPr rot="0" spcFirstLastPara="0" vertOverflow="overflow" horzOverflow="overflow" vert="horz" wrap="square" lIns="91440" tIns="45720" rIns="91440" bIns="45720" numCol="1" spcCol="0" rtlCol="0" fromWordArt="0" anchor="ctr" anchorCtr="0" forceAA="0" compatLnSpc="1">
+            <a:prstTxWarp prst="textNoShape">
+              <a:avLst/>
+            </a:prstTxWarp>
+            <a:noAutofit/>
+          </a:bodyPr>
+          <a:lstStyle/>
+          <a:p>
+            <a:pPr algn="ctr"/>
+            <a:endParaRPr lang="en-US" dirty="0">
+              <a:solidFill>
+                <a:schemeClr val="tx1"/>
+              </a:solidFill>
+              <a:latin typeface="SimSun" panose="02010600030101010101" pitchFamily="2" charset="-122"/>
+              <a:ea typeface="SimSun" panose="02010600030101010101" pitchFamily="2" charset="-122"/>
+            </a:endParaRPr>
+          </a:p>
+        </p:txBody>
+      </p:sp>
+      <p:sp>
+        <p:nvSpPr>
+          <p:cNvPr id="57" name="Snip Single Corner Rectangle 56">
+            <a:extLst>
+              <a:ext uri="{FF2B5EF4-FFF2-40B4-BE49-F238E27FC236}">
+                <a16:creationId xmlns:a16="http://schemas.microsoft.com/office/drawing/2014/main" id="{B4E223C2-C9F2-DB48-A257-5DAB58A0E5DF}"/>
+              </a:ext>
+            </a:extLst>
+          </p:cNvPr>
+          <p:cNvSpPr/>
+          <p:nvPr/>
+        </p:nvSpPr>
+        <p:spPr>
+          <a:xfrm>
+            <a:off x="5843827" y="4694565"/>
+            <a:ext cx="1721223" cy="631065"/>
+          </a:xfrm>
+          <a:prstGeom prst="snip1Rect">
+            <a:avLst>
+              <a:gd name="adj" fmla="val 50000"/>
+            </a:avLst>
+          </a:prstGeom>
+          <a:solidFill>
+            <a:schemeClr val="accent5">
+              <a:lumMod val="20000"/>
+              <a:lumOff val="80000"/>
+            </a:schemeClr>
+          </a:solidFill>
+          <a:ln w="19050">
+            <a:solidFill>
+              <a:schemeClr val="tx1"/>
+            </a:solidFill>
+            <a:prstDash val="dash"/>
+          </a:ln>
+        </p:spPr>
+        <p:style>
+          <a:lnRef idx="2">
+            <a:schemeClr val="accent1">
+              <a:shade val="50000"/>
+            </a:schemeClr>
+          </a:lnRef>
+          <a:fillRef idx="1">
+            <a:schemeClr val="accent1"/>
+          </a:fillRef>
+          <a:effectRef idx="0">
+            <a:schemeClr val="accent1"/>
+          </a:effectRef>
+          <a:fontRef idx="minor">
+            <a:schemeClr val="lt1"/>
+          </a:fontRef>
+        </p:style>
+        <p:txBody>
+          <a:bodyPr rot="0" spcFirstLastPara="0" vertOverflow="overflow" horzOverflow="overflow" vert="horz" wrap="square" lIns="91440" tIns="45720" rIns="91440" bIns="45720" numCol="1" spcCol="0" rtlCol="0" fromWordArt="0" anchor="ctr" anchorCtr="0" forceAA="0" compatLnSpc="1">
+            <a:prstTxWarp prst="textNoShape">
+              <a:avLst/>
+            </a:prstTxWarp>
+            <a:noAutofit/>
+          </a:bodyPr>
+          <a:lstStyle/>
+          <a:p>
+            <a:pPr algn="ctr"/>
+            <a:endParaRPr lang="en-US" dirty="0">
+              <a:solidFill>
+                <a:schemeClr val="tx1"/>
+              </a:solidFill>
+              <a:latin typeface="SimSun" panose="02010600030101010101" pitchFamily="2" charset="-122"/>
+              <a:ea typeface="SimSun" panose="02010600030101010101" pitchFamily="2" charset="-122"/>
+            </a:endParaRPr>
+          </a:p>
+        </p:txBody>
+      </p:sp>
+      <p:sp>
+        <p:nvSpPr>
+          <p:cNvPr id="58" name="Snip Single Corner Rectangle 57">
+            <a:extLst>
+              <a:ext uri="{FF2B5EF4-FFF2-40B4-BE49-F238E27FC236}">
+                <a16:creationId xmlns:a16="http://schemas.microsoft.com/office/drawing/2014/main" id="{E38F7934-5DFD-FD4B-A41E-12EE3280197E}"/>
+              </a:ext>
+            </a:extLst>
+          </p:cNvPr>
+          <p:cNvSpPr/>
+          <p:nvPr/>
+        </p:nvSpPr>
+        <p:spPr>
+          <a:xfrm>
+            <a:off x="5921887" y="4861833"/>
+            <a:ext cx="1721223" cy="631065"/>
+          </a:xfrm>
+          <a:prstGeom prst="snip1Rect">
+            <a:avLst>
+              <a:gd name="adj" fmla="val 50000"/>
+            </a:avLst>
+          </a:prstGeom>
+          <a:solidFill>
+            <a:schemeClr val="accent5">
+              <a:lumMod val="20000"/>
+              <a:lumOff val="80000"/>
+            </a:schemeClr>
+          </a:solidFill>
+          <a:ln w="19050">
+            <a:solidFill>
+              <a:schemeClr val="tx1"/>
+            </a:solidFill>
+            <a:prstDash val="dash"/>
+          </a:ln>
+        </p:spPr>
+        <p:style>
+          <a:lnRef idx="2">
+            <a:schemeClr val="accent1">
+              <a:shade val="50000"/>
+            </a:schemeClr>
+          </a:lnRef>
+          <a:fillRef idx="1">
+            <a:schemeClr val="accent1"/>
+          </a:fillRef>
+          <a:effectRef idx="0">
+            <a:schemeClr val="accent1"/>
+          </a:effectRef>
+          <a:fontRef idx="minor">
+            <a:schemeClr val="lt1"/>
+          </a:fontRef>
+        </p:style>
+        <p:txBody>
+          <a:bodyPr rot="0" spcFirstLastPara="0" vertOverflow="overflow" horzOverflow="overflow" vert="horz" wrap="square" lIns="91440" tIns="45720" rIns="91440" bIns="45720" numCol="1" spcCol="0" rtlCol="0" fromWordArt="0" anchor="ctr" anchorCtr="0" forceAA="0" compatLnSpc="1">
+            <a:prstTxWarp prst="textNoShape">
+              <a:avLst/>
+            </a:prstTxWarp>
+            <a:noAutofit/>
+          </a:bodyPr>
+          <a:lstStyle/>
+          <a:p>
+            <a:pPr algn="ctr"/>
+            <a:endParaRPr lang="en-US" dirty="0">
+              <a:solidFill>
+                <a:schemeClr val="tx1"/>
+              </a:solidFill>
+              <a:latin typeface="SimSun" panose="02010600030101010101" pitchFamily="2" charset="-122"/>
+              <a:ea typeface="SimSun" panose="02010600030101010101" pitchFamily="2" charset="-122"/>
+            </a:endParaRPr>
+          </a:p>
+        </p:txBody>
+      </p:sp>
+      <p:sp>
+        <p:nvSpPr>
+          <p:cNvPr id="59" name="Snip Single Corner Rectangle 58">
+            <a:extLst>
+              <a:ext uri="{FF2B5EF4-FFF2-40B4-BE49-F238E27FC236}">
+                <a16:creationId xmlns:a16="http://schemas.microsoft.com/office/drawing/2014/main" id="{CE78C525-0522-A849-9C01-85D721EDD79B}"/>
+              </a:ext>
+            </a:extLst>
+          </p:cNvPr>
+          <p:cNvSpPr/>
+          <p:nvPr/>
+        </p:nvSpPr>
+        <p:spPr>
+          <a:xfrm>
+            <a:off x="6007381" y="5036535"/>
+            <a:ext cx="1721223" cy="631065"/>
+          </a:xfrm>
+          <a:prstGeom prst="snip1Rect">
+            <a:avLst>
+              <a:gd name="adj" fmla="val 50000"/>
+            </a:avLst>
+          </a:prstGeom>
+          <a:solidFill>
+            <a:schemeClr val="accent5">
+              <a:lumMod val="20000"/>
+              <a:lumOff val="80000"/>
+            </a:schemeClr>
+          </a:solidFill>
+          <a:ln w="19050">
+            <a:solidFill>
+              <a:schemeClr val="tx1"/>
+            </a:solidFill>
+            <a:prstDash val="dash"/>
+          </a:ln>
+        </p:spPr>
+        <p:style>
+          <a:lnRef idx="2">
+            <a:schemeClr val="accent1">
+              <a:shade val="50000"/>
+            </a:schemeClr>
+          </a:lnRef>
+          <a:fillRef idx="1">
+            <a:schemeClr val="accent1"/>
+          </a:fillRef>
+          <a:effectRef idx="0">
+            <a:schemeClr val="accent1"/>
+          </a:effectRef>
+          <a:fontRef idx="minor">
+            <a:schemeClr val="lt1"/>
+          </a:fontRef>
+        </p:style>
+        <p:txBody>
+          <a:bodyPr rot="0" spcFirstLastPara="0" vertOverflow="overflow" horzOverflow="overflow" vert="horz" wrap="square" lIns="91440" tIns="45720" rIns="91440" bIns="45720" numCol="1" spcCol="0" rtlCol="0" fromWordArt="0" anchor="ctr" anchorCtr="0" forceAA="0" compatLnSpc="1">
+            <a:prstTxWarp prst="textNoShape">
+              <a:avLst/>
+            </a:prstTxWarp>
+            <a:noAutofit/>
+          </a:bodyPr>
+          <a:lstStyle/>
+          <a:p>
+            <a:pPr algn="ctr"/>
+            <a:endParaRPr lang="en-US" dirty="0">
+              <a:solidFill>
+                <a:schemeClr val="tx1"/>
+              </a:solidFill>
+              <a:latin typeface="SimSun" panose="02010600030101010101" pitchFamily="2" charset="-122"/>
+              <a:ea typeface="SimSun" panose="02010600030101010101" pitchFamily="2" charset="-122"/>
+            </a:endParaRPr>
+          </a:p>
+        </p:txBody>
+      </p:sp>
+      <p:sp>
+        <p:nvSpPr>
+          <p:cNvPr id="60" name="Snip Single Corner Rectangle 59">
+            <a:extLst>
+              <a:ext uri="{FF2B5EF4-FFF2-40B4-BE49-F238E27FC236}">
+                <a16:creationId xmlns:a16="http://schemas.microsoft.com/office/drawing/2014/main" id="{32F7FEA1-890B-D640-BC98-60FB58650EE2}"/>
+              </a:ext>
+            </a:extLst>
+          </p:cNvPr>
+          <p:cNvSpPr/>
+          <p:nvPr/>
+        </p:nvSpPr>
+        <p:spPr>
+          <a:xfrm>
+            <a:off x="6092875" y="5205620"/>
+            <a:ext cx="1721223" cy="631065"/>
+          </a:xfrm>
+          <a:prstGeom prst="snip1Rect">
+            <a:avLst>
+              <a:gd name="adj" fmla="val 50000"/>
+            </a:avLst>
+          </a:prstGeom>
+          <a:solidFill>
+            <a:schemeClr val="accent5">
+              <a:lumMod val="20000"/>
+              <a:lumOff val="80000"/>
+            </a:schemeClr>
+          </a:solidFill>
+          <a:ln w="19050">
+            <a:solidFill>
+              <a:schemeClr val="tx1"/>
+            </a:solidFill>
+            <a:prstDash val="dash"/>
+          </a:ln>
+        </p:spPr>
+        <p:style>
+          <a:lnRef idx="2">
+            <a:schemeClr val="accent1">
+              <a:shade val="50000"/>
+            </a:schemeClr>
+          </a:lnRef>
+          <a:fillRef idx="1">
+            <a:schemeClr val="accent1"/>
+          </a:fillRef>
+          <a:effectRef idx="0">
+            <a:schemeClr val="accent1"/>
+          </a:effectRef>
+          <a:fontRef idx="minor">
+            <a:schemeClr val="lt1"/>
+          </a:fontRef>
+        </p:style>
+        <p:txBody>
+          <a:bodyPr rot="0" spcFirstLastPara="0" vertOverflow="overflow" horzOverflow="overflow" vert="horz" wrap="square" lIns="91440" tIns="45720" rIns="91440" bIns="45720" numCol="1" spcCol="0" rtlCol="0" fromWordArt="0" anchor="ctr" anchorCtr="0" forceAA="0" compatLnSpc="1">
+            <a:prstTxWarp prst="textNoShape">
+              <a:avLst/>
+            </a:prstTxWarp>
+            <a:noAutofit/>
+          </a:bodyPr>
+          <a:lstStyle/>
+          <a:p>
+            <a:pPr algn="ctr"/>
+            <a:r>
+              <a:rPr lang="ja-JP" altLang="en-US" sz="2400">
+                <a:solidFill>
+                  <a:schemeClr val="tx1"/>
+                </a:solidFill>
+                <a:latin typeface="SimSun" panose="02010600030101010101" pitchFamily="2" charset="-122"/>
+                <a:ea typeface="SimSun" panose="02010600030101010101" pitchFamily="2" charset="-122"/>
+              </a:rPr>
+              <a:t>相关文档</a:t>
+            </a:r>
+            <a:endParaRPr lang="en-US" sz="2400" dirty="0">
+              <a:solidFill>
+                <a:schemeClr val="tx1"/>
+              </a:solidFill>
+              <a:latin typeface="SimSun" panose="02010600030101010101" pitchFamily="2" charset="-122"/>
+              <a:ea typeface="SimSun" panose="02010600030101010101" pitchFamily="2" charset="-122"/>
+            </a:endParaRPr>
+          </a:p>
+        </p:txBody>
+      </p:sp>
+      <p:sp>
+        <p:nvSpPr>
+          <p:cNvPr id="61" name="TextBox 60">
+            <a:extLst>
+              <a:ext uri="{FF2B5EF4-FFF2-40B4-BE49-F238E27FC236}">
+                <a16:creationId xmlns:a16="http://schemas.microsoft.com/office/drawing/2014/main" id="{C979EF74-E908-C244-8B64-8E89F78D8E67}"/>
+              </a:ext>
+            </a:extLst>
+          </p:cNvPr>
+          <p:cNvSpPr txBox="1"/>
+          <p:nvPr/>
+        </p:nvSpPr>
+        <p:spPr>
+          <a:xfrm>
+            <a:off x="3978722" y="3995123"/>
+            <a:ext cx="4493538" cy="461665"/>
+          </a:xfrm>
+          <a:prstGeom prst="rect">
+            <a:avLst/>
+          </a:prstGeom>
+          <a:noFill/>
+        </p:spPr>
+        <p:txBody>
+          <a:bodyPr wrap="none" rtlCol="0">
+            <a:spAutoFit/>
+          </a:bodyPr>
+          <a:lstStyle/>
+          <a:p>
+            <a:r>
+              <a:rPr lang="ja-JP" altLang="en-US" sz="2400">
+                <a:latin typeface="SimSun" panose="02010600030101010101" pitchFamily="2" charset="-122"/>
+                <a:ea typeface="SimSun" panose="02010600030101010101" pitchFamily="2" charset="-122"/>
+              </a:rPr>
+              <a:t>带阅读理解能力的智能搜索引擎</a:t>
+            </a:r>
+            <a:endParaRPr lang="en-US" sz="2400" dirty="0">
+              <a:latin typeface="SimSun" panose="02010600030101010101" pitchFamily="2" charset="-122"/>
+              <a:ea typeface="SimSun" panose="02010600030101010101" pitchFamily="2" charset="-122"/>
+            </a:endParaRPr>
+          </a:p>
+        </p:txBody>
+      </p:sp>
+      <p:cxnSp>
+        <p:nvCxnSpPr>
+          <p:cNvPr id="62" name="Straight Arrow Connector 61">
+            <a:extLst>
+              <a:ext uri="{FF2B5EF4-FFF2-40B4-BE49-F238E27FC236}">
+                <a16:creationId xmlns:a16="http://schemas.microsoft.com/office/drawing/2014/main" id="{D3BD6010-451F-6D45-BE4A-243C73D66E5D}"/>
+              </a:ext>
+            </a:extLst>
+          </p:cNvPr>
+          <p:cNvCxnSpPr>
+            <a:cxnSpLocks/>
+          </p:cNvCxnSpPr>
+          <p:nvPr/>
+        </p:nvCxnSpPr>
+        <p:spPr>
+          <a:xfrm>
+            <a:off x="4392829" y="5216646"/>
+            <a:ext cx="1318968" cy="0"/>
+          </a:xfrm>
+          <a:prstGeom prst="straightConnector1">
+            <a:avLst/>
+          </a:prstGeom>
+          <a:ln w="19050">
+            <a:solidFill>
+              <a:schemeClr val="tx1"/>
+            </a:solidFill>
+            <a:tailEnd type="triangle"/>
+          </a:ln>
+        </p:spPr>
+        <p:style>
+          <a:lnRef idx="1">
+            <a:schemeClr val="accent1"/>
+          </a:lnRef>
+          <a:fillRef idx="0">
+            <a:schemeClr val="accent1"/>
+          </a:fillRef>
+          <a:effectRef idx="0">
+            <a:schemeClr val="accent1"/>
+          </a:effectRef>
+          <a:fontRef idx="minor">
+            <a:schemeClr val="tx1"/>
+          </a:fontRef>
+        </p:style>
+      </p:cxnSp>
+      <p:sp>
+        <p:nvSpPr>
+          <p:cNvPr id="63" name="TextBox 62">
+            <a:extLst>
+              <a:ext uri="{FF2B5EF4-FFF2-40B4-BE49-F238E27FC236}">
+                <a16:creationId xmlns:a16="http://schemas.microsoft.com/office/drawing/2014/main" id="{46042D3E-8B03-3A4E-BC96-E3F8F37F6393}"/>
+              </a:ext>
+            </a:extLst>
+          </p:cNvPr>
+          <p:cNvSpPr txBox="1"/>
+          <p:nvPr/>
+        </p:nvSpPr>
+        <p:spPr>
+          <a:xfrm>
+            <a:off x="4676224" y="4808033"/>
+            <a:ext cx="697627" cy="400110"/>
+          </a:xfrm>
+          <a:prstGeom prst="rect">
+            <a:avLst/>
+          </a:prstGeom>
+          <a:noFill/>
+        </p:spPr>
+        <p:txBody>
+          <a:bodyPr wrap="none" rtlCol="0">
+            <a:spAutoFit/>
+          </a:bodyPr>
+          <a:lstStyle/>
+          <a:p>
+            <a:r>
+              <a:rPr lang="ja-JP" altLang="en-US" sz="2000">
+                <a:latin typeface="SimSun" panose="02010600030101010101" pitchFamily="2" charset="-122"/>
+                <a:ea typeface="SimSun" panose="02010600030101010101" pitchFamily="2" charset="-122"/>
+              </a:rPr>
+              <a:t>检索</a:t>
+            </a:r>
+            <a:endParaRPr lang="en-US" sz="2000" dirty="0">
+              <a:latin typeface="SimSun" panose="02010600030101010101" pitchFamily="2" charset="-122"/>
+              <a:ea typeface="SimSun" panose="02010600030101010101" pitchFamily="2" charset="-122"/>
+            </a:endParaRPr>
+          </a:p>
+        </p:txBody>
+      </p:sp>
+      <p:cxnSp>
+        <p:nvCxnSpPr>
+          <p:cNvPr id="64" name="Straight Arrow Connector 63">
+            <a:extLst>
+              <a:ext uri="{FF2B5EF4-FFF2-40B4-BE49-F238E27FC236}">
+                <a16:creationId xmlns:a16="http://schemas.microsoft.com/office/drawing/2014/main" id="{7589EE1B-4B44-A244-A90B-FB7A87DE77C8}"/>
+              </a:ext>
+            </a:extLst>
+          </p:cNvPr>
+          <p:cNvCxnSpPr>
+            <a:cxnSpLocks/>
+          </p:cNvCxnSpPr>
+          <p:nvPr/>
+        </p:nvCxnSpPr>
+        <p:spPr>
+          <a:xfrm>
+            <a:off x="7712890" y="5242230"/>
+            <a:ext cx="1503028" cy="0"/>
+          </a:xfrm>
+          <a:prstGeom prst="straightConnector1">
+            <a:avLst/>
+          </a:prstGeom>
+          <a:ln w="19050">
+            <a:solidFill>
+              <a:schemeClr val="tx1"/>
+            </a:solidFill>
+            <a:tailEnd type="triangle"/>
+          </a:ln>
+        </p:spPr>
+        <p:style>
+          <a:lnRef idx="1">
+            <a:schemeClr val="accent1"/>
+          </a:lnRef>
+          <a:fillRef idx="0">
+            <a:schemeClr val="accent1"/>
+          </a:fillRef>
+          <a:effectRef idx="0">
+            <a:schemeClr val="accent1"/>
+          </a:effectRef>
+          <a:fontRef idx="minor">
+            <a:schemeClr val="tx1"/>
+          </a:fontRef>
+        </p:style>
+      </p:cxnSp>
+      <p:sp>
+        <p:nvSpPr>
+          <p:cNvPr id="65" name="Rounded Rectangle 64">
+            <a:extLst>
+              <a:ext uri="{FF2B5EF4-FFF2-40B4-BE49-F238E27FC236}">
+                <a16:creationId xmlns:a16="http://schemas.microsoft.com/office/drawing/2014/main" id="{41C8FA33-6AC1-1742-8F2D-F8A4383170F6}"/>
+              </a:ext>
+            </a:extLst>
+          </p:cNvPr>
+          <p:cNvSpPr/>
+          <p:nvPr/>
+        </p:nvSpPr>
+        <p:spPr>
+          <a:xfrm>
+            <a:off x="9215918" y="4943026"/>
+            <a:ext cx="953127" cy="500666"/>
+          </a:xfrm>
+          <a:prstGeom prst="roundRect">
+            <a:avLst/>
+          </a:prstGeom>
+          <a:noFill/>
+          <a:ln w="12700">
+            <a:solidFill>
+              <a:schemeClr val="tx1"/>
+            </a:solidFill>
+            <a:prstDash val="solid"/>
+          </a:ln>
+        </p:spPr>
+        <p:style>
+          <a:lnRef idx="2">
+            <a:schemeClr val="accent1">
+              <a:shade val="50000"/>
+            </a:schemeClr>
+          </a:lnRef>
+          <a:fillRef idx="1">
+            <a:schemeClr val="accent1"/>
+          </a:fillRef>
+          <a:effectRef idx="0">
+            <a:schemeClr val="accent1"/>
+          </a:effectRef>
+          <a:fontRef idx="minor">
+            <a:schemeClr val="lt1"/>
+          </a:fontRef>
+        </p:style>
+        <p:txBody>
+          <a:bodyPr rtlCol="0" anchor="ctr"/>
+          <a:lstStyle/>
+          <a:p>
+            <a:pPr algn="ctr"/>
+            <a:r>
+              <a:rPr lang="ja-JP" altLang="en-US" sz="2400">
+                <a:solidFill>
+                  <a:schemeClr val="tx1"/>
+                </a:solidFill>
+                <a:latin typeface="SimSun" panose="02010600030101010101" pitchFamily="2" charset="-122"/>
+                <a:ea typeface="SimSun" panose="02010600030101010101" pitchFamily="2" charset="-122"/>
+              </a:rPr>
+              <a:t>答案</a:t>
+            </a:r>
+            <a:endParaRPr lang="en-US" sz="2400" dirty="0">
+              <a:solidFill>
+                <a:schemeClr val="tx1"/>
+              </a:solidFill>
+              <a:latin typeface="SimSun" panose="02010600030101010101" pitchFamily="2" charset="-122"/>
+              <a:ea typeface="SimSun" panose="02010600030101010101" pitchFamily="2" charset="-122"/>
+            </a:endParaRPr>
+          </a:p>
+        </p:txBody>
+      </p:sp>
+      <p:cxnSp>
+        <p:nvCxnSpPr>
+          <p:cNvPr id="66" name="Straight Arrow Connector 65">
+            <a:extLst>
+              <a:ext uri="{FF2B5EF4-FFF2-40B4-BE49-F238E27FC236}">
+                <a16:creationId xmlns:a16="http://schemas.microsoft.com/office/drawing/2014/main" id="{E14E3CE7-A5FC-3942-B5F5-9B96A02471C2}"/>
+              </a:ext>
+            </a:extLst>
+          </p:cNvPr>
+          <p:cNvCxnSpPr>
+            <a:cxnSpLocks/>
+          </p:cNvCxnSpPr>
+          <p:nvPr/>
+        </p:nvCxnSpPr>
+        <p:spPr>
+          <a:xfrm>
+            <a:off x="2487016" y="5227206"/>
+            <a:ext cx="810766" cy="0"/>
+          </a:xfrm>
+          <a:prstGeom prst="straightConnector1">
+            <a:avLst/>
+          </a:prstGeom>
+          <a:ln w="19050">
+            <a:solidFill>
+              <a:schemeClr val="tx1"/>
+            </a:solidFill>
+            <a:tailEnd type="triangle"/>
+          </a:ln>
+        </p:spPr>
+        <p:style>
+          <a:lnRef idx="1">
+            <a:schemeClr val="accent1"/>
+          </a:lnRef>
+          <a:fillRef idx="0">
+            <a:schemeClr val="accent1"/>
+          </a:fillRef>
+          <a:effectRef idx="0">
+            <a:schemeClr val="accent1"/>
+          </a:effectRef>
+          <a:fontRef idx="minor">
+            <a:schemeClr val="tx1"/>
+          </a:fontRef>
+        </p:style>
+      </p:cxnSp>
+      <p:sp>
+        <p:nvSpPr>
+          <p:cNvPr id="67" name="TextBox 66">
+            <a:extLst>
+              <a:ext uri="{FF2B5EF4-FFF2-40B4-BE49-F238E27FC236}">
+                <a16:creationId xmlns:a16="http://schemas.microsoft.com/office/drawing/2014/main" id="{3F547722-F474-704E-8088-18E9A027495F}"/>
+              </a:ext>
+            </a:extLst>
+          </p:cNvPr>
+          <p:cNvSpPr txBox="1"/>
+          <p:nvPr/>
+        </p:nvSpPr>
+        <p:spPr>
+          <a:xfrm>
+            <a:off x="9355360" y="3972130"/>
+            <a:ext cx="800219" cy="461665"/>
+          </a:xfrm>
+          <a:prstGeom prst="rect">
+            <a:avLst/>
+          </a:prstGeom>
+          <a:noFill/>
+        </p:spPr>
+        <p:txBody>
+          <a:bodyPr wrap="none" rtlCol="0">
+            <a:spAutoFit/>
+          </a:bodyPr>
+          <a:lstStyle/>
+          <a:p>
+            <a:r>
+              <a:rPr lang="ja-JP" altLang="en-US" sz="2400">
+                <a:latin typeface="SimSun" panose="02010600030101010101" pitchFamily="2" charset="-122"/>
+                <a:ea typeface="SimSun" panose="02010600030101010101" pitchFamily="2" charset="-122"/>
+              </a:rPr>
+              <a:t>用户</a:t>
+            </a:r>
+            <a:endParaRPr lang="en-US" sz="2400" dirty="0">
+              <a:latin typeface="SimSun" panose="02010600030101010101" pitchFamily="2" charset="-122"/>
+              <a:ea typeface="SimSun" panose="02010600030101010101" pitchFamily="2" charset="-122"/>
+            </a:endParaRPr>
+          </a:p>
+        </p:txBody>
+      </p:sp>
+      <p:sp>
+        <p:nvSpPr>
+          <p:cNvPr id="68" name="TextBox 67">
+            <a:extLst>
+              <a:ext uri="{FF2B5EF4-FFF2-40B4-BE49-F238E27FC236}">
+                <a16:creationId xmlns:a16="http://schemas.microsoft.com/office/drawing/2014/main" id="{DDA3205D-B221-4747-B047-2E4CB347D0E8}"/>
+              </a:ext>
+            </a:extLst>
+          </p:cNvPr>
+          <p:cNvSpPr txBox="1"/>
+          <p:nvPr/>
+        </p:nvSpPr>
+        <p:spPr>
+          <a:xfrm>
+            <a:off x="8123447" y="5237653"/>
+            <a:ext cx="697627" cy="707886"/>
+          </a:xfrm>
+          <a:prstGeom prst="rect">
+            <a:avLst/>
+          </a:prstGeom>
+          <a:noFill/>
+        </p:spPr>
+        <p:txBody>
+          <a:bodyPr wrap="none" rtlCol="0">
+            <a:spAutoFit/>
+          </a:bodyPr>
+          <a:lstStyle/>
+          <a:p>
+            <a:r>
+              <a:rPr lang="ja-JP" altLang="en-US" sz="2000">
+                <a:latin typeface="SimSun" panose="02010600030101010101" pitchFamily="2" charset="-122"/>
+                <a:ea typeface="SimSun" panose="02010600030101010101" pitchFamily="2" charset="-122"/>
+              </a:rPr>
+              <a:t>推断</a:t>
+            </a:r>
+            <a:endParaRPr lang="en-US" altLang="zh-CN" sz="2000" dirty="0">
+              <a:latin typeface="SimSun" panose="02010600030101010101" pitchFamily="2" charset="-122"/>
+              <a:ea typeface="SimSun" panose="02010600030101010101" pitchFamily="2" charset="-122"/>
+            </a:endParaRPr>
+          </a:p>
+          <a:p>
+            <a:r>
+              <a:rPr lang="ja-JP" altLang="en-US" sz="2000">
+                <a:latin typeface="SimSun" panose="02010600030101010101" pitchFamily="2" charset="-122"/>
+                <a:ea typeface="SimSun" panose="02010600030101010101" pitchFamily="2" charset="-122"/>
+              </a:rPr>
+              <a:t>总结</a:t>
+            </a:r>
+            <a:endParaRPr lang="en-US" sz="2000" dirty="0">
+              <a:latin typeface="SimSun" panose="02010600030101010101" pitchFamily="2" charset="-122"/>
+              <a:ea typeface="SimSun" panose="02010600030101010101" pitchFamily="2" charset="-122"/>
+            </a:endParaRPr>
+          </a:p>
+        </p:txBody>
+      </p:sp>
+      <p:sp>
+        <p:nvSpPr>
+          <p:cNvPr id="69" name="TextBox 68">
+            <a:extLst>
+              <a:ext uri="{FF2B5EF4-FFF2-40B4-BE49-F238E27FC236}">
+                <a16:creationId xmlns:a16="http://schemas.microsoft.com/office/drawing/2014/main" id="{3F5233C3-3C36-EA40-8616-664D6E3AE332}"/>
+              </a:ext>
+            </a:extLst>
+          </p:cNvPr>
+          <p:cNvSpPr txBox="1"/>
+          <p:nvPr/>
+        </p:nvSpPr>
+        <p:spPr>
+          <a:xfrm>
+            <a:off x="2579143" y="4808033"/>
+            <a:ext cx="697627" cy="400110"/>
+          </a:xfrm>
+          <a:prstGeom prst="rect">
+            <a:avLst/>
+          </a:prstGeom>
+          <a:noFill/>
+        </p:spPr>
+        <p:txBody>
+          <a:bodyPr wrap="none" rtlCol="0">
+            <a:spAutoFit/>
+          </a:bodyPr>
+          <a:lstStyle/>
+          <a:p>
+            <a:r>
+              <a:rPr lang="ja-JP" altLang="en-US" sz="2000">
+                <a:latin typeface="SimSun" panose="02010600030101010101" pitchFamily="2" charset="-122"/>
+                <a:ea typeface="SimSun" panose="02010600030101010101" pitchFamily="2" charset="-122"/>
+              </a:rPr>
+              <a:t>输入</a:t>
+            </a:r>
+            <a:endParaRPr lang="en-US" sz="2000" dirty="0">
+              <a:latin typeface="SimSun" panose="02010600030101010101" pitchFamily="2" charset="-122"/>
+              <a:ea typeface="SimSun" panose="02010600030101010101" pitchFamily="2" charset="-122"/>
+            </a:endParaRPr>
+          </a:p>
+        </p:txBody>
+      </p:sp>
+      <p:sp>
+        <p:nvSpPr>
+          <p:cNvPr id="70" name="TextBox 69">
+            <a:extLst>
+              <a:ext uri="{FF2B5EF4-FFF2-40B4-BE49-F238E27FC236}">
+                <a16:creationId xmlns:a16="http://schemas.microsoft.com/office/drawing/2014/main" id="{60F96B64-8BC0-454F-9541-79F6A09C9E83}"/>
+              </a:ext>
+            </a:extLst>
+          </p:cNvPr>
+          <p:cNvSpPr txBox="1"/>
+          <p:nvPr/>
+        </p:nvSpPr>
+        <p:spPr>
+          <a:xfrm>
+            <a:off x="8123447" y="4843224"/>
+            <a:ext cx="697627" cy="400110"/>
+          </a:xfrm>
+          <a:prstGeom prst="rect">
+            <a:avLst/>
+          </a:prstGeom>
+          <a:noFill/>
+        </p:spPr>
+        <p:txBody>
+          <a:bodyPr wrap="none" rtlCol="0">
+            <a:spAutoFit/>
+          </a:bodyPr>
+          <a:lstStyle/>
+          <a:p>
+            <a:r>
+              <a:rPr lang="ja-JP" altLang="en-US" sz="2000">
+                <a:latin typeface="SimSun" panose="02010600030101010101" pitchFamily="2" charset="-122"/>
+                <a:ea typeface="SimSun" panose="02010600030101010101" pitchFamily="2" charset="-122"/>
+              </a:rPr>
+              <a:t>理解</a:t>
+            </a:r>
+            <a:endParaRPr lang="en-US" altLang="ja-JP" sz="2000" dirty="0">
+              <a:latin typeface="SimSun" panose="02010600030101010101" pitchFamily="2" charset="-122"/>
+              <a:ea typeface="SimSun" panose="02010600030101010101" pitchFamily="2" charset="-122"/>
+            </a:endParaRPr>
+          </a:p>
+        </p:txBody>
+      </p:sp>
+      <p:sp>
+        <p:nvSpPr>
+          <p:cNvPr id="75" name="TextBox 74">
+            <a:extLst>
+              <a:ext uri="{FF2B5EF4-FFF2-40B4-BE49-F238E27FC236}">
+                <a16:creationId xmlns:a16="http://schemas.microsoft.com/office/drawing/2014/main" id="{2776AF34-8F2B-E946-8CC8-086283BF1CEB}"/>
+              </a:ext>
+            </a:extLst>
+          </p:cNvPr>
+          <p:cNvSpPr txBox="1"/>
+          <p:nvPr/>
+        </p:nvSpPr>
+        <p:spPr>
+          <a:xfrm>
+            <a:off x="4376570" y="3356510"/>
+            <a:ext cx="3546164" cy="400110"/>
+          </a:xfrm>
+          <a:prstGeom prst="rect">
+            <a:avLst/>
+          </a:prstGeom>
+          <a:noFill/>
+        </p:spPr>
+        <p:txBody>
+          <a:bodyPr wrap="none" rtlCol="0">
+            <a:spAutoFit/>
+          </a:bodyPr>
+          <a:lstStyle/>
+          <a:p>
+            <a:r>
+              <a:rPr lang="en-US" altLang="zh-CN" sz="2000" dirty="0">
+                <a:latin typeface="Times New Roman" panose="02020603050405020304" pitchFamily="18" charset="0"/>
+                <a:ea typeface="SimSun" panose="02010600030101010101" pitchFamily="2" charset="-122"/>
+                <a:cs typeface="Times New Roman" panose="02020603050405020304" pitchFamily="18" charset="0"/>
+              </a:rPr>
+              <a:t>(a)</a:t>
+            </a:r>
+            <a:r>
+              <a:rPr lang="zh-CN" altLang="en-US" sz="2000" dirty="0">
+                <a:latin typeface="SimSun" panose="02010600030101010101" pitchFamily="2" charset="-122"/>
+                <a:ea typeface="SimSun" panose="02010600030101010101" pitchFamily="2" charset="-122"/>
+              </a:rPr>
+              <a:t> </a:t>
+            </a:r>
+            <a:r>
+              <a:rPr lang="ja-JP" altLang="en-US" sz="2000">
+                <a:latin typeface="SimSun" panose="02010600030101010101" pitchFamily="2" charset="-122"/>
+                <a:ea typeface="SimSun" panose="02010600030101010101" pitchFamily="2" charset="-122"/>
+              </a:rPr>
+              <a:t>传统搜索的问题解决过程</a:t>
+            </a:r>
+            <a:endParaRPr lang="en-US" sz="2000" dirty="0">
+              <a:latin typeface="SimSun" panose="02010600030101010101" pitchFamily="2" charset="-122"/>
+              <a:ea typeface="SimSun" panose="02010600030101010101" pitchFamily="2" charset="-122"/>
+            </a:endParaRPr>
+          </a:p>
+        </p:txBody>
+      </p:sp>
+      <p:sp>
+        <p:nvSpPr>
+          <p:cNvPr id="76" name="TextBox 75">
+            <a:extLst>
+              <a:ext uri="{FF2B5EF4-FFF2-40B4-BE49-F238E27FC236}">
+                <a16:creationId xmlns:a16="http://schemas.microsoft.com/office/drawing/2014/main" id="{4D69CD89-69A1-464E-8404-9835A5C29887}"/>
+              </a:ext>
+            </a:extLst>
+          </p:cNvPr>
+          <p:cNvSpPr txBox="1"/>
+          <p:nvPr/>
+        </p:nvSpPr>
+        <p:spPr>
+          <a:xfrm>
+            <a:off x="3771003" y="6214973"/>
+            <a:ext cx="5099473" cy="400110"/>
+          </a:xfrm>
+          <a:prstGeom prst="rect">
+            <a:avLst/>
+          </a:prstGeom>
+          <a:noFill/>
+        </p:spPr>
+        <p:txBody>
+          <a:bodyPr wrap="none" rtlCol="0">
+            <a:spAutoFit/>
+          </a:bodyPr>
+          <a:lstStyle/>
+          <a:p>
+            <a:r>
+              <a:rPr lang="en-US" altLang="zh-CN" sz="2000" dirty="0">
+                <a:latin typeface="Times New Roman" panose="02020603050405020304" pitchFamily="18" charset="0"/>
+                <a:ea typeface="SimSun" panose="02010600030101010101" pitchFamily="2" charset="-122"/>
+                <a:cs typeface="Times New Roman" panose="02020603050405020304" pitchFamily="18" charset="0"/>
+              </a:rPr>
+              <a:t>(b)</a:t>
+            </a:r>
+            <a:r>
+              <a:rPr lang="zh-CN" altLang="en-US" sz="2000" dirty="0">
+                <a:latin typeface="SimSun" panose="02010600030101010101" pitchFamily="2" charset="-122"/>
+                <a:ea typeface="SimSun" panose="02010600030101010101" pitchFamily="2" charset="-122"/>
+              </a:rPr>
+              <a:t> </a:t>
+            </a:r>
+            <a:r>
+              <a:rPr lang="ja-JP" altLang="en-US" sz="2000">
+                <a:latin typeface="SimSun" panose="02010600030101010101" pitchFamily="2" charset="-122"/>
+                <a:ea typeface="SimSun" panose="02010600030101010101" pitchFamily="2" charset="-122"/>
+              </a:rPr>
+              <a:t>智能搜索引擎的自动理解回答问题过程</a:t>
+            </a:r>
+            <a:endParaRPr lang="en-US" sz="2000" dirty="0">
+              <a:latin typeface="SimSun" panose="02010600030101010101" pitchFamily="2" charset="-122"/>
+              <a:ea typeface="SimSun" panose="02010600030101010101" pitchFamily="2" charset="-122"/>
+            </a:endParaRPr>
+          </a:p>
+        </p:txBody>
+      </p:sp>
+    </p:spTree>
+    <p:extLst>
+      <p:ext uri="{BB962C8B-B14F-4D97-AF65-F5344CB8AC3E}">
+        <p14:creationId xmlns:p14="http://schemas.microsoft.com/office/powerpoint/2010/main" val="1350006990"/>
+      </p:ext>
+    </p:extLst>
+  </p:cSld>
+  <p:clrMapOvr>
+    <a:masterClrMapping/>
+  </p:clrMapOvr>
+</p:sld>
+</file>
+
 <file path=ppt/theme/theme1.xml><?xml version="1.0" encoding="utf-8"?>
 <a:theme xmlns:a="http://schemas.openxmlformats.org/drawingml/2006/main" name="Office Theme">
   <a:themeElements>
